--- a/素材.pptx
+++ b/素材.pptx
@@ -6,8 +6,9 @@
   </p:sldMasterIdLst>
   <p:sldIdLst>
     <p:sldId id="256" r:id="rId2"/>
-    <p:sldId id="257" r:id="rId3"/>
-    <p:sldId id="258" r:id="rId4"/>
+    <p:sldId id="259" r:id="rId3"/>
+    <p:sldId id="257" r:id="rId4"/>
+    <p:sldId id="258" r:id="rId5"/>
   </p:sldIdLst>
   <p:sldSz cx="12192000" cy="6858000"/>
   <p:notesSz cx="6858000" cy="9144000"/>
@@ -261,7 +262,7 @@
           <a:p>
             <a:fld id="{9D2A0C2B-70AD-47E1-B89E-10E5CBCCD31E}" type="datetimeFigureOut">
               <a:rPr kumimoji="1" lang="ja-JP" altLang="en-US" smtClean="0"/>
-              <a:t>2024/10/10</a:t>
+              <a:t>2024/10/14</a:t>
             </a:fld>
             <a:endParaRPr kumimoji="1" lang="ja-JP" altLang="en-US"/>
           </a:p>
@@ -491,7 +492,7 @@
           <a:p>
             <a:fld id="{9D2A0C2B-70AD-47E1-B89E-10E5CBCCD31E}" type="datetimeFigureOut">
               <a:rPr kumimoji="1" lang="ja-JP" altLang="en-US" smtClean="0"/>
-              <a:t>2024/10/10</a:t>
+              <a:t>2024/10/14</a:t>
             </a:fld>
             <a:endParaRPr kumimoji="1" lang="ja-JP" altLang="en-US"/>
           </a:p>
@@ -731,7 +732,7 @@
           <a:p>
             <a:fld id="{9D2A0C2B-70AD-47E1-B89E-10E5CBCCD31E}" type="datetimeFigureOut">
               <a:rPr kumimoji="1" lang="ja-JP" altLang="en-US" smtClean="0"/>
-              <a:t>2024/10/10</a:t>
+              <a:t>2024/10/14</a:t>
             </a:fld>
             <a:endParaRPr kumimoji="1" lang="ja-JP" altLang="en-US"/>
           </a:p>
@@ -961,7 +962,7 @@
           <a:p>
             <a:fld id="{9D2A0C2B-70AD-47E1-B89E-10E5CBCCD31E}" type="datetimeFigureOut">
               <a:rPr kumimoji="1" lang="ja-JP" altLang="en-US" smtClean="0"/>
-              <a:t>2024/10/10</a:t>
+              <a:t>2024/10/14</a:t>
             </a:fld>
             <a:endParaRPr kumimoji="1" lang="ja-JP" altLang="en-US"/>
           </a:p>
@@ -1236,7 +1237,7 @@
           <a:p>
             <a:fld id="{9D2A0C2B-70AD-47E1-B89E-10E5CBCCD31E}" type="datetimeFigureOut">
               <a:rPr kumimoji="1" lang="ja-JP" altLang="en-US" smtClean="0"/>
-              <a:t>2024/10/10</a:t>
+              <a:t>2024/10/14</a:t>
             </a:fld>
             <a:endParaRPr kumimoji="1" lang="ja-JP" altLang="en-US"/>
           </a:p>
@@ -1565,7 +1566,7 @@
           <a:p>
             <a:fld id="{9D2A0C2B-70AD-47E1-B89E-10E5CBCCD31E}" type="datetimeFigureOut">
               <a:rPr kumimoji="1" lang="ja-JP" altLang="en-US" smtClean="0"/>
-              <a:t>2024/10/10</a:t>
+              <a:t>2024/10/14</a:t>
             </a:fld>
             <a:endParaRPr kumimoji="1" lang="ja-JP" altLang="en-US"/>
           </a:p>
@@ -2041,7 +2042,7 @@
           <a:p>
             <a:fld id="{9D2A0C2B-70AD-47E1-B89E-10E5CBCCD31E}" type="datetimeFigureOut">
               <a:rPr kumimoji="1" lang="ja-JP" altLang="en-US" smtClean="0"/>
-              <a:t>2024/10/10</a:t>
+              <a:t>2024/10/14</a:t>
             </a:fld>
             <a:endParaRPr kumimoji="1" lang="ja-JP" altLang="en-US"/>
           </a:p>
@@ -2182,7 +2183,7 @@
           <a:p>
             <a:fld id="{9D2A0C2B-70AD-47E1-B89E-10E5CBCCD31E}" type="datetimeFigureOut">
               <a:rPr kumimoji="1" lang="ja-JP" altLang="en-US" smtClean="0"/>
-              <a:t>2024/10/10</a:t>
+              <a:t>2024/10/14</a:t>
             </a:fld>
             <a:endParaRPr kumimoji="1" lang="ja-JP" altLang="en-US"/>
           </a:p>
@@ -2295,7 +2296,7 @@
           <a:p>
             <a:fld id="{9D2A0C2B-70AD-47E1-B89E-10E5CBCCD31E}" type="datetimeFigureOut">
               <a:rPr kumimoji="1" lang="ja-JP" altLang="en-US" smtClean="0"/>
-              <a:t>2024/10/10</a:t>
+              <a:t>2024/10/14</a:t>
             </a:fld>
             <a:endParaRPr kumimoji="1" lang="ja-JP" altLang="en-US"/>
           </a:p>
@@ -2638,7 +2639,7 @@
           <a:p>
             <a:fld id="{9D2A0C2B-70AD-47E1-B89E-10E5CBCCD31E}" type="datetimeFigureOut">
               <a:rPr kumimoji="1" lang="ja-JP" altLang="en-US" smtClean="0"/>
-              <a:t>2024/10/10</a:t>
+              <a:t>2024/10/14</a:t>
             </a:fld>
             <a:endParaRPr kumimoji="1" lang="ja-JP" altLang="en-US"/>
           </a:p>
@@ -2926,7 +2927,7 @@
           <a:p>
             <a:fld id="{9D2A0C2B-70AD-47E1-B89E-10E5CBCCD31E}" type="datetimeFigureOut">
               <a:rPr kumimoji="1" lang="ja-JP" altLang="en-US" smtClean="0"/>
-              <a:t>2024/10/10</a:t>
+              <a:t>2024/10/14</a:t>
             </a:fld>
             <a:endParaRPr kumimoji="1" lang="ja-JP" altLang="en-US"/>
           </a:p>
@@ -3199,7 +3200,7 @@
           <a:p>
             <a:fld id="{9D2A0C2B-70AD-47E1-B89E-10E5CBCCD31E}" type="datetimeFigureOut">
               <a:rPr kumimoji="1" lang="ja-JP" altLang="en-US" smtClean="0"/>
-              <a:t>2024/10/10</a:t>
+              <a:t>2024/10/14</a:t>
             </a:fld>
             <a:endParaRPr kumimoji="1" lang="ja-JP" altLang="en-US"/>
           </a:p>
@@ -3932,6 +3933,148 @@
       </p:grpSpPr>
       <p:sp>
         <p:nvSpPr>
+          <p:cNvPr id="4" name="楕円 3">
+            <a:extLst>
+              <a:ext uri="{FF2B5EF4-FFF2-40B4-BE49-F238E27FC236}">
+                <a16:creationId xmlns:a16="http://schemas.microsoft.com/office/drawing/2014/main" id="{A463889E-DB41-9C27-C68F-1BA56CC54380}"/>
+              </a:ext>
+            </a:extLst>
+          </p:cNvPr>
+          <p:cNvSpPr/>
+          <p:nvPr/>
+        </p:nvSpPr>
+        <p:spPr>
+          <a:xfrm>
+            <a:off x="5009796" y="1600200"/>
+            <a:ext cx="3211286" cy="3211286"/>
+          </a:xfrm>
+          <a:prstGeom prst="ellipse">
+            <a:avLst/>
+          </a:prstGeom>
+          <a:solidFill>
+            <a:schemeClr val="bg1"/>
+          </a:solidFill>
+          <a:ln>
+            <a:noFill/>
+          </a:ln>
+        </p:spPr>
+        <p:style>
+          <a:lnRef idx="2">
+            <a:schemeClr val="accent1">
+              <a:shade val="15000"/>
+            </a:schemeClr>
+          </a:lnRef>
+          <a:fillRef idx="1">
+            <a:schemeClr val="accent1"/>
+          </a:fillRef>
+          <a:effectRef idx="0">
+            <a:schemeClr val="accent1"/>
+          </a:effectRef>
+          <a:fontRef idx="minor">
+            <a:schemeClr val="lt1"/>
+          </a:fontRef>
+        </p:style>
+        <p:txBody>
+          <a:bodyPr rtlCol="0" anchor="ctr"/>
+          <a:lstStyle/>
+          <a:p>
+            <a:pPr algn="ctr"/>
+            <a:endParaRPr kumimoji="1" lang="ja-JP" altLang="en-US"/>
+          </a:p>
+        </p:txBody>
+      </p:sp>
+      <p:sp>
+        <p:nvSpPr>
+          <p:cNvPr id="2" name="楕円 1">
+            <a:extLst>
+              <a:ext uri="{FF2B5EF4-FFF2-40B4-BE49-F238E27FC236}">
+                <a16:creationId xmlns:a16="http://schemas.microsoft.com/office/drawing/2014/main" id="{8585E1A9-0181-1AE4-8BE5-B7B1E7793C74}"/>
+              </a:ext>
+            </a:extLst>
+          </p:cNvPr>
+          <p:cNvSpPr/>
+          <p:nvPr/>
+        </p:nvSpPr>
+        <p:spPr>
+          <a:xfrm>
+            <a:off x="5191540" y="1649896"/>
+            <a:ext cx="1875182" cy="1875182"/>
+          </a:xfrm>
+          <a:prstGeom prst="ellipse">
+            <a:avLst/>
+          </a:prstGeom>
+          <a:solidFill>
+            <a:schemeClr val="bg1"/>
+          </a:solidFill>
+          <a:ln>
+            <a:solidFill>
+              <a:schemeClr val="bg1"/>
+            </a:solidFill>
+          </a:ln>
+        </p:spPr>
+        <p:style>
+          <a:lnRef idx="2">
+            <a:schemeClr val="accent1">
+              <a:shade val="15000"/>
+            </a:schemeClr>
+          </a:lnRef>
+          <a:fillRef idx="1">
+            <a:schemeClr val="accent1"/>
+          </a:fillRef>
+          <a:effectRef idx="0">
+            <a:schemeClr val="accent1"/>
+          </a:effectRef>
+          <a:fontRef idx="minor">
+            <a:schemeClr val="lt1"/>
+          </a:fontRef>
+        </p:style>
+        <p:txBody>
+          <a:bodyPr rtlCol="0" anchor="ctr"/>
+          <a:lstStyle/>
+          <a:p>
+            <a:pPr algn="ctr"/>
+            <a:endParaRPr kumimoji="1" lang="ja-JP" altLang="en-US">
+              <a:ln>
+                <a:solidFill>
+                  <a:sysClr val="windowText" lastClr="000000"/>
+                </a:solidFill>
+              </a:ln>
+            </a:endParaRPr>
+          </a:p>
+        </p:txBody>
+      </p:sp>
+    </p:spTree>
+    <p:extLst>
+      <p:ext uri="{BB962C8B-B14F-4D97-AF65-F5344CB8AC3E}">
+        <p14:creationId xmlns:p14="http://schemas.microsoft.com/office/powerpoint/2010/main" val="1897758365"/>
+      </p:ext>
+    </p:extLst>
+  </p:cSld>
+  <p:clrMapOvr>
+    <a:masterClrMapping/>
+  </p:clrMapOvr>
+</p:sld>
+</file>
+
+<file path=ppt/slides/slide3.xml><?xml version="1.0" encoding="utf-8"?>
+<p:sld xmlns:a="http://schemas.openxmlformats.org/drawingml/2006/main" xmlns:r="http://schemas.openxmlformats.org/officeDocument/2006/relationships" xmlns:p="http://schemas.openxmlformats.org/presentationml/2006/main">
+  <p:cSld>
+    <p:spTree>
+      <p:nvGrpSpPr>
+        <p:cNvPr id="1" name=""/>
+        <p:cNvGrpSpPr/>
+        <p:nvPr/>
+      </p:nvGrpSpPr>
+      <p:grpSpPr>
+        <a:xfrm>
+          <a:off x="0" y="0"/>
+          <a:ext cx="0" cy="0"/>
+          <a:chOff x="0" y="0"/>
+          <a:chExt cx="0" cy="0"/>
+        </a:xfrm>
+      </p:grpSpPr>
+      <p:sp>
+        <p:nvSpPr>
           <p:cNvPr id="2" name="テキスト ボックス 1">
             <a:extLst>
               <a:ext uri="{FF2B5EF4-FFF2-40B4-BE49-F238E27FC236}">
@@ -4179,7 +4322,7 @@
 </p:sld>
 </file>
 
-<file path=ppt/slides/slide3.xml><?xml version="1.0" encoding="utf-8"?>
+<file path=ppt/slides/slide4.xml><?xml version="1.0" encoding="utf-8"?>
 <p:sld xmlns:a="http://schemas.openxmlformats.org/drawingml/2006/main" xmlns:r="http://schemas.openxmlformats.org/officeDocument/2006/relationships" xmlns:p="http://schemas.openxmlformats.org/presentationml/2006/main">
   <p:cSld>
     <p:spTree>
@@ -4204,10 +4347,10 @@
       </p:grpSpPr>
       <p:sp>
         <p:nvSpPr>
-          <p:cNvPr id="16" name="フリーフォーム: 図形 15">
-            <a:extLst>
-              <a:ext uri="{FF2B5EF4-FFF2-40B4-BE49-F238E27FC236}">
-                <a16:creationId xmlns:a16="http://schemas.microsoft.com/office/drawing/2014/main" id="{2F7739DC-D49D-6C38-BBF1-D7B0C466F1C3}"/>
+          <p:cNvPr id="2" name="正方形/長方形 1">
+            <a:extLst>
+              <a:ext uri="{FF2B5EF4-FFF2-40B4-BE49-F238E27FC236}">
+                <a16:creationId xmlns:a16="http://schemas.microsoft.com/office/drawing/2014/main" id="{76A06ACC-9F27-6DA5-B974-EAA27C5D3CBC}"/>
               </a:ext>
             </a:extLst>
           </p:cNvPr>
@@ -4219,106 +4362,22 @@
             <a:off x="0" y="0"/>
             <a:ext cx="12192000" cy="6858000"/>
           </a:xfrm>
-          <a:custGeom>
+          <a:prstGeom prst="rect">
             <a:avLst/>
-            <a:gdLst>
-              <a:gd name="connsiteX0" fmla="*/ 6084570 w 12192000"/>
-              <a:gd name="connsiteY0" fmla="*/ 3406140 h 6858000"/>
-              <a:gd name="connsiteX1" fmla="*/ 6073140 w 12192000"/>
-              <a:gd name="connsiteY1" fmla="*/ 3417570 h 6858000"/>
-              <a:gd name="connsiteX2" fmla="*/ 6084570 w 12192000"/>
-              <a:gd name="connsiteY2" fmla="*/ 3429000 h 6858000"/>
-              <a:gd name="connsiteX3" fmla="*/ 6096000 w 12192000"/>
-              <a:gd name="connsiteY3" fmla="*/ 3417570 h 6858000"/>
-              <a:gd name="connsiteX4" fmla="*/ 6084570 w 12192000"/>
-              <a:gd name="connsiteY4" fmla="*/ 3406140 h 6858000"/>
-              <a:gd name="connsiteX5" fmla="*/ 0 w 12192000"/>
-              <a:gd name="connsiteY5" fmla="*/ 0 h 6858000"/>
-              <a:gd name="connsiteX6" fmla="*/ 12192000 w 12192000"/>
-              <a:gd name="connsiteY6" fmla="*/ 0 h 6858000"/>
-              <a:gd name="connsiteX7" fmla="*/ 12192000 w 12192000"/>
-              <a:gd name="connsiteY7" fmla="*/ 6858000 h 6858000"/>
-              <a:gd name="connsiteX8" fmla="*/ 0 w 12192000"/>
-              <a:gd name="connsiteY8" fmla="*/ 6858000 h 6858000"/>
-            </a:gdLst>
-            <a:ahLst/>
-            <a:cxnLst>
-              <a:cxn ang="0">
-                <a:pos x="connsiteX0" y="connsiteY0"/>
-              </a:cxn>
-              <a:cxn ang="0">
-                <a:pos x="connsiteX1" y="connsiteY1"/>
-              </a:cxn>
-              <a:cxn ang="0">
-                <a:pos x="connsiteX2" y="connsiteY2"/>
-              </a:cxn>
-              <a:cxn ang="0">
-                <a:pos x="connsiteX3" y="connsiteY3"/>
-              </a:cxn>
-              <a:cxn ang="0">
-                <a:pos x="connsiteX4" y="connsiteY4"/>
-              </a:cxn>
-              <a:cxn ang="0">
-                <a:pos x="connsiteX5" y="connsiteY5"/>
-              </a:cxn>
-              <a:cxn ang="0">
-                <a:pos x="connsiteX6" y="connsiteY6"/>
-              </a:cxn>
-              <a:cxn ang="0">
-                <a:pos x="connsiteX7" y="connsiteY7"/>
-              </a:cxn>
-              <a:cxn ang="0">
-                <a:pos x="connsiteX8" y="connsiteY8"/>
-              </a:cxn>
-            </a:cxnLst>
-            <a:rect l="l" t="t" r="r" b="b"/>
-            <a:pathLst>
-              <a:path w="12192000" h="6858000">
-                <a:moveTo>
-                  <a:pt x="6084570" y="3406140"/>
-                </a:moveTo>
-                <a:cubicBezTo>
-                  <a:pt x="6078258" y="3406140"/>
-                  <a:pt x="6073140" y="3411257"/>
-                  <a:pt x="6073140" y="3417570"/>
-                </a:cubicBezTo>
-                <a:cubicBezTo>
-                  <a:pt x="6073140" y="3423883"/>
-                  <a:pt x="6078258" y="3429000"/>
-                  <a:pt x="6084570" y="3429000"/>
-                </a:cubicBezTo>
-                <a:cubicBezTo>
-                  <a:pt x="6090883" y="3429000"/>
-                  <a:pt x="6096000" y="3423883"/>
-                  <a:pt x="6096000" y="3417570"/>
-                </a:cubicBezTo>
-                <a:cubicBezTo>
-                  <a:pt x="6096000" y="3411257"/>
-                  <a:pt x="6090883" y="3406140"/>
-                  <a:pt x="6084570" y="3406140"/>
-                </a:cubicBezTo>
-                <a:close/>
-                <a:moveTo>
-                  <a:pt x="0" y="0"/>
-                </a:moveTo>
-                <a:lnTo>
-                  <a:pt x="12192000" y="0"/>
-                </a:lnTo>
-                <a:lnTo>
-                  <a:pt x="12192000" y="6858000"/>
-                </a:lnTo>
-                <a:lnTo>
-                  <a:pt x="0" y="6858000"/>
-                </a:lnTo>
-                <a:close/>
-              </a:path>
-            </a:pathLst>
-          </a:custGeom>
+          </a:prstGeom>
           <a:solidFill>
-            <a:schemeClr val="tx1"/>
+            <a:schemeClr val="tx1">
+              <a:lumMod val="85000"/>
+              <a:lumOff val="15000"/>
+            </a:schemeClr>
           </a:solidFill>
-          <a:ln>
-            <a:noFill/>
+          <a:ln w="3175">
+            <a:solidFill>
+              <a:schemeClr val="tx1">
+                <a:lumMod val="50000"/>
+                <a:lumOff val="50000"/>
+              </a:schemeClr>
+            </a:solidFill>
           </a:ln>
         </p:spPr>
         <p:style>
@@ -4338,9 +4397,7 @@
           </a:fontRef>
         </p:style>
         <p:txBody>
-          <a:bodyPr wrap="square" rtlCol="0" anchor="ctr">
-            <a:noAutofit/>
-          </a:bodyPr>
+          <a:bodyPr rtlCol="0" anchor="ctr"/>
           <a:lstStyle/>
           <a:p>
             <a:pPr algn="ctr"/>

--- a/素材.pptx
+++ b/素材.pptx
@@ -262,7 +262,7 @@
           <a:p>
             <a:fld id="{9D2A0C2B-70AD-47E1-B89E-10E5CBCCD31E}" type="datetimeFigureOut">
               <a:rPr kumimoji="1" lang="ja-JP" altLang="en-US" smtClean="0"/>
-              <a:t>2024/10/14</a:t>
+              <a:t>2024/10/15</a:t>
             </a:fld>
             <a:endParaRPr kumimoji="1" lang="ja-JP" altLang="en-US"/>
           </a:p>
@@ -492,7 +492,7 @@
           <a:p>
             <a:fld id="{9D2A0C2B-70AD-47E1-B89E-10E5CBCCD31E}" type="datetimeFigureOut">
               <a:rPr kumimoji="1" lang="ja-JP" altLang="en-US" smtClean="0"/>
-              <a:t>2024/10/14</a:t>
+              <a:t>2024/10/15</a:t>
             </a:fld>
             <a:endParaRPr kumimoji="1" lang="ja-JP" altLang="en-US"/>
           </a:p>
@@ -732,7 +732,7 @@
           <a:p>
             <a:fld id="{9D2A0C2B-70AD-47E1-B89E-10E5CBCCD31E}" type="datetimeFigureOut">
               <a:rPr kumimoji="1" lang="ja-JP" altLang="en-US" smtClean="0"/>
-              <a:t>2024/10/14</a:t>
+              <a:t>2024/10/15</a:t>
             </a:fld>
             <a:endParaRPr kumimoji="1" lang="ja-JP" altLang="en-US"/>
           </a:p>
@@ -962,7 +962,7 @@
           <a:p>
             <a:fld id="{9D2A0C2B-70AD-47E1-B89E-10E5CBCCD31E}" type="datetimeFigureOut">
               <a:rPr kumimoji="1" lang="ja-JP" altLang="en-US" smtClean="0"/>
-              <a:t>2024/10/14</a:t>
+              <a:t>2024/10/15</a:t>
             </a:fld>
             <a:endParaRPr kumimoji="1" lang="ja-JP" altLang="en-US"/>
           </a:p>
@@ -1237,7 +1237,7 @@
           <a:p>
             <a:fld id="{9D2A0C2B-70AD-47E1-B89E-10E5CBCCD31E}" type="datetimeFigureOut">
               <a:rPr kumimoji="1" lang="ja-JP" altLang="en-US" smtClean="0"/>
-              <a:t>2024/10/14</a:t>
+              <a:t>2024/10/15</a:t>
             </a:fld>
             <a:endParaRPr kumimoji="1" lang="ja-JP" altLang="en-US"/>
           </a:p>
@@ -1566,7 +1566,7 @@
           <a:p>
             <a:fld id="{9D2A0C2B-70AD-47E1-B89E-10E5CBCCD31E}" type="datetimeFigureOut">
               <a:rPr kumimoji="1" lang="ja-JP" altLang="en-US" smtClean="0"/>
-              <a:t>2024/10/14</a:t>
+              <a:t>2024/10/15</a:t>
             </a:fld>
             <a:endParaRPr kumimoji="1" lang="ja-JP" altLang="en-US"/>
           </a:p>
@@ -2042,7 +2042,7 @@
           <a:p>
             <a:fld id="{9D2A0C2B-70AD-47E1-B89E-10E5CBCCD31E}" type="datetimeFigureOut">
               <a:rPr kumimoji="1" lang="ja-JP" altLang="en-US" smtClean="0"/>
-              <a:t>2024/10/14</a:t>
+              <a:t>2024/10/15</a:t>
             </a:fld>
             <a:endParaRPr kumimoji="1" lang="ja-JP" altLang="en-US"/>
           </a:p>
@@ -2183,7 +2183,7 @@
           <a:p>
             <a:fld id="{9D2A0C2B-70AD-47E1-B89E-10E5CBCCD31E}" type="datetimeFigureOut">
               <a:rPr kumimoji="1" lang="ja-JP" altLang="en-US" smtClean="0"/>
-              <a:t>2024/10/14</a:t>
+              <a:t>2024/10/15</a:t>
             </a:fld>
             <a:endParaRPr kumimoji="1" lang="ja-JP" altLang="en-US"/>
           </a:p>
@@ -2296,7 +2296,7 @@
           <a:p>
             <a:fld id="{9D2A0C2B-70AD-47E1-B89E-10E5CBCCD31E}" type="datetimeFigureOut">
               <a:rPr kumimoji="1" lang="ja-JP" altLang="en-US" smtClean="0"/>
-              <a:t>2024/10/14</a:t>
+              <a:t>2024/10/15</a:t>
             </a:fld>
             <a:endParaRPr kumimoji="1" lang="ja-JP" altLang="en-US"/>
           </a:p>
@@ -2639,7 +2639,7 @@
           <a:p>
             <a:fld id="{9D2A0C2B-70AD-47E1-B89E-10E5CBCCD31E}" type="datetimeFigureOut">
               <a:rPr kumimoji="1" lang="ja-JP" altLang="en-US" smtClean="0"/>
-              <a:t>2024/10/14</a:t>
+              <a:t>2024/10/15</a:t>
             </a:fld>
             <a:endParaRPr kumimoji="1" lang="ja-JP" altLang="en-US"/>
           </a:p>
@@ -2927,7 +2927,7 @@
           <a:p>
             <a:fld id="{9D2A0C2B-70AD-47E1-B89E-10E5CBCCD31E}" type="datetimeFigureOut">
               <a:rPr kumimoji="1" lang="ja-JP" altLang="en-US" smtClean="0"/>
-              <a:t>2024/10/14</a:t>
+              <a:t>2024/10/15</a:t>
             </a:fld>
             <a:endParaRPr kumimoji="1" lang="ja-JP" altLang="en-US"/>
           </a:p>
@@ -3200,7 +3200,7 @@
           <a:p>
             <a:fld id="{9D2A0C2B-70AD-47E1-B89E-10E5CBCCD31E}" type="datetimeFigureOut">
               <a:rPr kumimoji="1" lang="ja-JP" altLang="en-US" smtClean="0"/>
-              <a:t>2024/10/14</a:t>
+              <a:t>2024/10/15</a:t>
             </a:fld>
             <a:endParaRPr kumimoji="1" lang="ja-JP" altLang="en-US"/>
           </a:p>
@@ -4378,6 +4378,247 @@
                 <a:lumOff val="50000"/>
               </a:schemeClr>
             </a:solidFill>
+          </a:ln>
+        </p:spPr>
+        <p:style>
+          <a:lnRef idx="2">
+            <a:schemeClr val="accent1">
+              <a:shade val="15000"/>
+            </a:schemeClr>
+          </a:lnRef>
+          <a:fillRef idx="1">
+            <a:schemeClr val="accent1"/>
+          </a:fillRef>
+          <a:effectRef idx="0">
+            <a:schemeClr val="accent1"/>
+          </a:effectRef>
+          <a:fontRef idx="minor">
+            <a:schemeClr val="lt1"/>
+          </a:fontRef>
+        </p:style>
+        <p:txBody>
+          <a:bodyPr rtlCol="0" anchor="ctr"/>
+          <a:lstStyle/>
+          <a:p>
+            <a:pPr algn="ctr"/>
+            <a:endParaRPr kumimoji="1" lang="ja-JP" altLang="en-US"/>
+          </a:p>
+        </p:txBody>
+      </p:sp>
+      <p:sp>
+        <p:nvSpPr>
+          <p:cNvPr id="4" name="正方形/長方形 3">
+            <a:extLst>
+              <a:ext uri="{FF2B5EF4-FFF2-40B4-BE49-F238E27FC236}">
+                <a16:creationId xmlns:a16="http://schemas.microsoft.com/office/drawing/2014/main" id="{DBD7B350-CC0B-D78B-C23F-53D90FA70BAF}"/>
+              </a:ext>
+            </a:extLst>
+          </p:cNvPr>
+          <p:cNvSpPr/>
+          <p:nvPr/>
+        </p:nvSpPr>
+        <p:spPr>
+          <a:xfrm>
+            <a:off x="2407920" y="563880"/>
+            <a:ext cx="7802880" cy="4500880"/>
+          </a:xfrm>
+          <a:prstGeom prst="rect">
+            <a:avLst/>
+          </a:prstGeom>
+        </p:spPr>
+        <p:style>
+          <a:lnRef idx="2">
+            <a:schemeClr val="accent1">
+              <a:shade val="15000"/>
+            </a:schemeClr>
+          </a:lnRef>
+          <a:fillRef idx="1">
+            <a:schemeClr val="accent1"/>
+          </a:fillRef>
+          <a:effectRef idx="0">
+            <a:schemeClr val="accent1"/>
+          </a:effectRef>
+          <a:fontRef idx="minor">
+            <a:schemeClr val="lt1"/>
+          </a:fontRef>
+        </p:style>
+        <p:txBody>
+          <a:bodyPr rtlCol="0" anchor="ctr"/>
+          <a:lstStyle/>
+          <a:p>
+            <a:pPr algn="ctr"/>
+            <a:endParaRPr kumimoji="1" lang="ja-JP" altLang="en-US"/>
+          </a:p>
+        </p:txBody>
+      </p:sp>
+      <p:sp>
+        <p:nvSpPr>
+          <p:cNvPr id="3" name="楕円 2">
+            <a:extLst>
+              <a:ext uri="{FF2B5EF4-FFF2-40B4-BE49-F238E27FC236}">
+                <a16:creationId xmlns:a16="http://schemas.microsoft.com/office/drawing/2014/main" id="{7AB7EF56-E36A-8D1A-DC79-084F24B323A5}"/>
+              </a:ext>
+            </a:extLst>
+          </p:cNvPr>
+          <p:cNvSpPr/>
+          <p:nvPr/>
+        </p:nvSpPr>
+        <p:spPr>
+          <a:xfrm>
+            <a:off x="3746831" y="1817536"/>
+            <a:ext cx="2151050" cy="2151050"/>
+          </a:xfrm>
+          <a:prstGeom prst="ellipse">
+            <a:avLst/>
+          </a:prstGeom>
+          <a:gradFill flip="none" rotWithShape="1">
+            <a:gsLst>
+              <a:gs pos="67000">
+                <a:srgbClr val="1A1A1A">
+                  <a:alpha val="78000"/>
+                </a:srgbClr>
+              </a:gs>
+              <a:gs pos="0">
+                <a:schemeClr val="tx1">
+                  <a:lumMod val="95000"/>
+                  <a:lumOff val="5000"/>
+                  <a:alpha val="18000"/>
+                </a:schemeClr>
+              </a:gs>
+              <a:gs pos="100000">
+                <a:srgbClr val="232323">
+                  <a:alpha val="87000"/>
+                </a:srgbClr>
+              </a:gs>
+            </a:gsLst>
+            <a:path path="circle">
+              <a:fillToRect l="50000" t="50000" r="50000" b="50000"/>
+            </a:path>
+            <a:tileRect/>
+          </a:gradFill>
+          <a:ln>
+            <a:noFill/>
+          </a:ln>
+          <a:effectLst>
+            <a:softEdge rad="63500"/>
+          </a:effectLst>
+        </p:spPr>
+        <p:style>
+          <a:lnRef idx="2">
+            <a:schemeClr val="accent1">
+              <a:shade val="15000"/>
+            </a:schemeClr>
+          </a:lnRef>
+          <a:fillRef idx="1">
+            <a:schemeClr val="accent1"/>
+          </a:fillRef>
+          <a:effectRef idx="0">
+            <a:schemeClr val="accent1"/>
+          </a:effectRef>
+          <a:fontRef idx="minor">
+            <a:schemeClr val="lt1"/>
+          </a:fontRef>
+        </p:style>
+        <p:txBody>
+          <a:bodyPr rtlCol="0" anchor="ctr"/>
+          <a:lstStyle/>
+          <a:p>
+            <a:pPr algn="ctr"/>
+            <a:endParaRPr kumimoji="1" lang="ja-JP" altLang="en-US"/>
+          </a:p>
+        </p:txBody>
+      </p:sp>
+      <p:sp>
+        <p:nvSpPr>
+          <p:cNvPr id="6" name="楕円 5">
+            <a:extLst>
+              <a:ext uri="{FF2B5EF4-FFF2-40B4-BE49-F238E27FC236}">
+                <a16:creationId xmlns:a16="http://schemas.microsoft.com/office/drawing/2014/main" id="{E906C1CA-BA43-6EB7-5841-3FA8EF12534D}"/>
+              </a:ext>
+            </a:extLst>
+          </p:cNvPr>
+          <p:cNvSpPr/>
+          <p:nvPr/>
+        </p:nvSpPr>
+        <p:spPr>
+          <a:xfrm>
+            <a:off x="7236791" y="1667675"/>
+            <a:ext cx="2151050" cy="2151050"/>
+          </a:xfrm>
+          <a:prstGeom prst="ellipse">
+            <a:avLst/>
+          </a:prstGeom>
+          <a:solidFill>
+            <a:schemeClr val="bg1"/>
+          </a:solidFill>
+          <a:ln>
+            <a:noFill/>
+          </a:ln>
+          <a:effectLst>
+            <a:softEdge rad="63500"/>
+          </a:effectLst>
+        </p:spPr>
+        <p:style>
+          <a:lnRef idx="2">
+            <a:schemeClr val="accent1">
+              <a:shade val="15000"/>
+            </a:schemeClr>
+          </a:lnRef>
+          <a:fillRef idx="1">
+            <a:schemeClr val="accent1"/>
+          </a:fillRef>
+          <a:effectRef idx="0">
+            <a:schemeClr val="accent1"/>
+          </a:effectRef>
+          <a:fontRef idx="minor">
+            <a:schemeClr val="lt1"/>
+          </a:fontRef>
+        </p:style>
+        <p:txBody>
+          <a:bodyPr rtlCol="0" anchor="ctr"/>
+          <a:lstStyle/>
+          <a:p>
+            <a:pPr algn="ctr"/>
+            <a:endParaRPr kumimoji="1" lang="ja-JP" altLang="en-US"/>
+          </a:p>
+        </p:txBody>
+      </p:sp>
+      <p:sp>
+        <p:nvSpPr>
+          <p:cNvPr id="7" name="楕円 6">
+            <a:extLst>
+              <a:ext uri="{FF2B5EF4-FFF2-40B4-BE49-F238E27FC236}">
+                <a16:creationId xmlns:a16="http://schemas.microsoft.com/office/drawing/2014/main" id="{7160E363-6D81-CA8E-4E94-B7C51DA7D3CD}"/>
+              </a:ext>
+            </a:extLst>
+          </p:cNvPr>
+          <p:cNvSpPr/>
+          <p:nvPr/>
+        </p:nvSpPr>
+        <p:spPr>
+          <a:xfrm>
+            <a:off x="5855805" y="563880"/>
+            <a:ext cx="1625600" cy="1625600"/>
+          </a:xfrm>
+          <a:prstGeom prst="ellipse">
+            <a:avLst/>
+          </a:prstGeom>
+          <a:gradFill flip="none" rotWithShape="1">
+            <a:gsLst>
+              <a:gs pos="31000">
+                <a:srgbClr val="FF0000"/>
+              </a:gs>
+              <a:gs pos="82000">
+                <a:schemeClr val="tx1"/>
+              </a:gs>
+            </a:gsLst>
+            <a:path path="circle">
+              <a:fillToRect l="50000" t="50000" r="50000" b="50000"/>
+            </a:path>
+            <a:tileRect/>
+          </a:gradFill>
+          <a:ln>
+            <a:noFill/>
           </a:ln>
         </p:spPr>
         <p:style>

--- a/素材.pptx
+++ b/素材.pptx
@@ -262,7 +262,7 @@
           <a:p>
             <a:fld id="{9D2A0C2B-70AD-47E1-B89E-10E5CBCCD31E}" type="datetimeFigureOut">
               <a:rPr kumimoji="1" lang="ja-JP" altLang="en-US" smtClean="0"/>
-              <a:t>2024/10/15</a:t>
+              <a:t>2024/10/18</a:t>
             </a:fld>
             <a:endParaRPr kumimoji="1" lang="ja-JP" altLang="en-US"/>
           </a:p>
@@ -492,7 +492,7 @@
           <a:p>
             <a:fld id="{9D2A0C2B-70AD-47E1-B89E-10E5CBCCD31E}" type="datetimeFigureOut">
               <a:rPr kumimoji="1" lang="ja-JP" altLang="en-US" smtClean="0"/>
-              <a:t>2024/10/15</a:t>
+              <a:t>2024/10/18</a:t>
             </a:fld>
             <a:endParaRPr kumimoji="1" lang="ja-JP" altLang="en-US"/>
           </a:p>
@@ -732,7 +732,7 @@
           <a:p>
             <a:fld id="{9D2A0C2B-70AD-47E1-B89E-10E5CBCCD31E}" type="datetimeFigureOut">
               <a:rPr kumimoji="1" lang="ja-JP" altLang="en-US" smtClean="0"/>
-              <a:t>2024/10/15</a:t>
+              <a:t>2024/10/18</a:t>
             </a:fld>
             <a:endParaRPr kumimoji="1" lang="ja-JP" altLang="en-US"/>
           </a:p>
@@ -962,7 +962,7 @@
           <a:p>
             <a:fld id="{9D2A0C2B-70AD-47E1-B89E-10E5CBCCD31E}" type="datetimeFigureOut">
               <a:rPr kumimoji="1" lang="ja-JP" altLang="en-US" smtClean="0"/>
-              <a:t>2024/10/15</a:t>
+              <a:t>2024/10/18</a:t>
             </a:fld>
             <a:endParaRPr kumimoji="1" lang="ja-JP" altLang="en-US"/>
           </a:p>
@@ -1237,7 +1237,7 @@
           <a:p>
             <a:fld id="{9D2A0C2B-70AD-47E1-B89E-10E5CBCCD31E}" type="datetimeFigureOut">
               <a:rPr kumimoji="1" lang="ja-JP" altLang="en-US" smtClean="0"/>
-              <a:t>2024/10/15</a:t>
+              <a:t>2024/10/18</a:t>
             </a:fld>
             <a:endParaRPr kumimoji="1" lang="ja-JP" altLang="en-US"/>
           </a:p>
@@ -1566,7 +1566,7 @@
           <a:p>
             <a:fld id="{9D2A0C2B-70AD-47E1-B89E-10E5CBCCD31E}" type="datetimeFigureOut">
               <a:rPr kumimoji="1" lang="ja-JP" altLang="en-US" smtClean="0"/>
-              <a:t>2024/10/15</a:t>
+              <a:t>2024/10/18</a:t>
             </a:fld>
             <a:endParaRPr kumimoji="1" lang="ja-JP" altLang="en-US"/>
           </a:p>
@@ -2042,7 +2042,7 @@
           <a:p>
             <a:fld id="{9D2A0C2B-70AD-47E1-B89E-10E5CBCCD31E}" type="datetimeFigureOut">
               <a:rPr kumimoji="1" lang="ja-JP" altLang="en-US" smtClean="0"/>
-              <a:t>2024/10/15</a:t>
+              <a:t>2024/10/18</a:t>
             </a:fld>
             <a:endParaRPr kumimoji="1" lang="ja-JP" altLang="en-US"/>
           </a:p>
@@ -2183,7 +2183,7 @@
           <a:p>
             <a:fld id="{9D2A0C2B-70AD-47E1-B89E-10E5CBCCD31E}" type="datetimeFigureOut">
               <a:rPr kumimoji="1" lang="ja-JP" altLang="en-US" smtClean="0"/>
-              <a:t>2024/10/15</a:t>
+              <a:t>2024/10/18</a:t>
             </a:fld>
             <a:endParaRPr kumimoji="1" lang="ja-JP" altLang="en-US"/>
           </a:p>
@@ -2296,7 +2296,7 @@
           <a:p>
             <a:fld id="{9D2A0C2B-70AD-47E1-B89E-10E5CBCCD31E}" type="datetimeFigureOut">
               <a:rPr kumimoji="1" lang="ja-JP" altLang="en-US" smtClean="0"/>
-              <a:t>2024/10/15</a:t>
+              <a:t>2024/10/18</a:t>
             </a:fld>
             <a:endParaRPr kumimoji="1" lang="ja-JP" altLang="en-US"/>
           </a:p>
@@ -2639,7 +2639,7 @@
           <a:p>
             <a:fld id="{9D2A0C2B-70AD-47E1-B89E-10E5CBCCD31E}" type="datetimeFigureOut">
               <a:rPr kumimoji="1" lang="ja-JP" altLang="en-US" smtClean="0"/>
-              <a:t>2024/10/15</a:t>
+              <a:t>2024/10/18</a:t>
             </a:fld>
             <a:endParaRPr kumimoji="1" lang="ja-JP" altLang="en-US"/>
           </a:p>
@@ -2927,7 +2927,7 @@
           <a:p>
             <a:fld id="{9D2A0C2B-70AD-47E1-B89E-10E5CBCCD31E}" type="datetimeFigureOut">
               <a:rPr kumimoji="1" lang="ja-JP" altLang="en-US" smtClean="0"/>
-              <a:t>2024/10/15</a:t>
+              <a:t>2024/10/18</a:t>
             </a:fld>
             <a:endParaRPr kumimoji="1" lang="ja-JP" altLang="en-US"/>
           </a:p>
@@ -3200,7 +3200,7 @@
           <a:p>
             <a:fld id="{9D2A0C2B-70AD-47E1-B89E-10E5CBCCD31E}" type="datetimeFigureOut">
               <a:rPr kumimoji="1" lang="ja-JP" altLang="en-US" smtClean="0"/>
-              <a:t>2024/10/15</a:t>
+              <a:t>2024/10/18</a:t>
             </a:fld>
             <a:endParaRPr kumimoji="1" lang="ja-JP" altLang="en-US"/>
           </a:p>

--- a/素材.pptx
+++ b/素材.pptx
@@ -262,7 +262,7 @@
           <a:p>
             <a:fld id="{9D2A0C2B-70AD-47E1-B89E-10E5CBCCD31E}" type="datetimeFigureOut">
               <a:rPr kumimoji="1" lang="ja-JP" altLang="en-US" smtClean="0"/>
-              <a:t>2024/10/18</a:t>
+              <a:t>2024/10/31</a:t>
             </a:fld>
             <a:endParaRPr kumimoji="1" lang="ja-JP" altLang="en-US"/>
           </a:p>
@@ -492,7 +492,7 @@
           <a:p>
             <a:fld id="{9D2A0C2B-70AD-47E1-B89E-10E5CBCCD31E}" type="datetimeFigureOut">
               <a:rPr kumimoji="1" lang="ja-JP" altLang="en-US" smtClean="0"/>
-              <a:t>2024/10/18</a:t>
+              <a:t>2024/10/31</a:t>
             </a:fld>
             <a:endParaRPr kumimoji="1" lang="ja-JP" altLang="en-US"/>
           </a:p>
@@ -732,7 +732,7 @@
           <a:p>
             <a:fld id="{9D2A0C2B-70AD-47E1-B89E-10E5CBCCD31E}" type="datetimeFigureOut">
               <a:rPr kumimoji="1" lang="ja-JP" altLang="en-US" smtClean="0"/>
-              <a:t>2024/10/18</a:t>
+              <a:t>2024/10/31</a:t>
             </a:fld>
             <a:endParaRPr kumimoji="1" lang="ja-JP" altLang="en-US"/>
           </a:p>
@@ -962,7 +962,7 @@
           <a:p>
             <a:fld id="{9D2A0C2B-70AD-47E1-B89E-10E5CBCCD31E}" type="datetimeFigureOut">
               <a:rPr kumimoji="1" lang="ja-JP" altLang="en-US" smtClean="0"/>
-              <a:t>2024/10/18</a:t>
+              <a:t>2024/10/31</a:t>
             </a:fld>
             <a:endParaRPr kumimoji="1" lang="ja-JP" altLang="en-US"/>
           </a:p>
@@ -1237,7 +1237,7 @@
           <a:p>
             <a:fld id="{9D2A0C2B-70AD-47E1-B89E-10E5CBCCD31E}" type="datetimeFigureOut">
               <a:rPr kumimoji="1" lang="ja-JP" altLang="en-US" smtClean="0"/>
-              <a:t>2024/10/18</a:t>
+              <a:t>2024/10/31</a:t>
             </a:fld>
             <a:endParaRPr kumimoji="1" lang="ja-JP" altLang="en-US"/>
           </a:p>
@@ -1566,7 +1566,7 @@
           <a:p>
             <a:fld id="{9D2A0C2B-70AD-47E1-B89E-10E5CBCCD31E}" type="datetimeFigureOut">
               <a:rPr kumimoji="1" lang="ja-JP" altLang="en-US" smtClean="0"/>
-              <a:t>2024/10/18</a:t>
+              <a:t>2024/10/31</a:t>
             </a:fld>
             <a:endParaRPr kumimoji="1" lang="ja-JP" altLang="en-US"/>
           </a:p>
@@ -2042,7 +2042,7 @@
           <a:p>
             <a:fld id="{9D2A0C2B-70AD-47E1-B89E-10E5CBCCD31E}" type="datetimeFigureOut">
               <a:rPr kumimoji="1" lang="ja-JP" altLang="en-US" smtClean="0"/>
-              <a:t>2024/10/18</a:t>
+              <a:t>2024/10/31</a:t>
             </a:fld>
             <a:endParaRPr kumimoji="1" lang="ja-JP" altLang="en-US"/>
           </a:p>
@@ -2183,7 +2183,7 @@
           <a:p>
             <a:fld id="{9D2A0C2B-70AD-47E1-B89E-10E5CBCCD31E}" type="datetimeFigureOut">
               <a:rPr kumimoji="1" lang="ja-JP" altLang="en-US" smtClean="0"/>
-              <a:t>2024/10/18</a:t>
+              <a:t>2024/10/31</a:t>
             </a:fld>
             <a:endParaRPr kumimoji="1" lang="ja-JP" altLang="en-US"/>
           </a:p>
@@ -2296,7 +2296,7 @@
           <a:p>
             <a:fld id="{9D2A0C2B-70AD-47E1-B89E-10E5CBCCD31E}" type="datetimeFigureOut">
               <a:rPr kumimoji="1" lang="ja-JP" altLang="en-US" smtClean="0"/>
-              <a:t>2024/10/18</a:t>
+              <a:t>2024/10/31</a:t>
             </a:fld>
             <a:endParaRPr kumimoji="1" lang="ja-JP" altLang="en-US"/>
           </a:p>
@@ -2639,7 +2639,7 @@
           <a:p>
             <a:fld id="{9D2A0C2B-70AD-47E1-B89E-10E5CBCCD31E}" type="datetimeFigureOut">
               <a:rPr kumimoji="1" lang="ja-JP" altLang="en-US" smtClean="0"/>
-              <a:t>2024/10/18</a:t>
+              <a:t>2024/10/31</a:t>
             </a:fld>
             <a:endParaRPr kumimoji="1" lang="ja-JP" altLang="en-US"/>
           </a:p>
@@ -2927,7 +2927,7 @@
           <a:p>
             <a:fld id="{9D2A0C2B-70AD-47E1-B89E-10E5CBCCD31E}" type="datetimeFigureOut">
               <a:rPr kumimoji="1" lang="ja-JP" altLang="en-US" smtClean="0"/>
-              <a:t>2024/10/18</a:t>
+              <a:t>2024/10/31</a:t>
             </a:fld>
             <a:endParaRPr kumimoji="1" lang="ja-JP" altLang="en-US"/>
           </a:p>
@@ -3200,7 +3200,7 @@
           <a:p>
             <a:fld id="{9D2A0C2B-70AD-47E1-B89E-10E5CBCCD31E}" type="datetimeFigureOut">
               <a:rPr kumimoji="1" lang="ja-JP" altLang="en-US" smtClean="0"/>
-              <a:t>2024/10/18</a:t>
+              <a:t>2024/10/31</a:t>
             </a:fld>
             <a:endParaRPr kumimoji="1" lang="ja-JP" altLang="en-US"/>
           </a:p>
@@ -4608,7 +4608,70 @@
               <a:gs pos="31000">
                 <a:srgbClr val="FF0000"/>
               </a:gs>
-              <a:gs pos="82000">
+              <a:gs pos="65000">
+                <a:schemeClr val="tx1"/>
+              </a:gs>
+            </a:gsLst>
+            <a:path path="circle">
+              <a:fillToRect l="50000" t="50000" r="50000" b="50000"/>
+            </a:path>
+            <a:tileRect/>
+          </a:gradFill>
+          <a:ln>
+            <a:noFill/>
+          </a:ln>
+        </p:spPr>
+        <p:style>
+          <a:lnRef idx="2">
+            <a:schemeClr val="accent1">
+              <a:shade val="15000"/>
+            </a:schemeClr>
+          </a:lnRef>
+          <a:fillRef idx="1">
+            <a:schemeClr val="accent1"/>
+          </a:fillRef>
+          <a:effectRef idx="0">
+            <a:schemeClr val="accent1"/>
+          </a:effectRef>
+          <a:fontRef idx="minor">
+            <a:schemeClr val="lt1"/>
+          </a:fontRef>
+        </p:style>
+        <p:txBody>
+          <a:bodyPr rtlCol="0" anchor="ctr"/>
+          <a:lstStyle/>
+          <a:p>
+            <a:pPr algn="ctr"/>
+            <a:endParaRPr kumimoji="1" lang="ja-JP" altLang="en-US"/>
+          </a:p>
+        </p:txBody>
+      </p:sp>
+      <p:sp>
+        <p:nvSpPr>
+          <p:cNvPr id="5" name="楕円 4">
+            <a:extLst>
+              <a:ext uri="{FF2B5EF4-FFF2-40B4-BE49-F238E27FC236}">
+                <a16:creationId xmlns:a16="http://schemas.microsoft.com/office/drawing/2014/main" id="{AC5B98A4-7F9E-4829-C715-BA5F32A865F5}"/>
+              </a:ext>
+            </a:extLst>
+          </p:cNvPr>
+          <p:cNvSpPr/>
+          <p:nvPr/>
+        </p:nvSpPr>
+        <p:spPr>
+          <a:xfrm>
+            <a:off x="6466067" y="3155786"/>
+            <a:ext cx="1625600" cy="1625600"/>
+          </a:xfrm>
+          <a:prstGeom prst="ellipse">
+            <a:avLst/>
+          </a:prstGeom>
+          <a:gradFill flip="none" rotWithShape="1">
+            <a:gsLst>
+              <a:gs pos="24000">
+                <a:srgbClr val="FF0000"/>
+              </a:gs>
+              <a:gs pos="75000">
                 <a:schemeClr val="tx1"/>
               </a:gs>
             </a:gsLst>

--- a/素材.pptx
+++ b/素材.pptx
@@ -262,7 +262,7 @@
           <a:p>
             <a:fld id="{9D2A0C2B-70AD-47E1-B89E-10E5CBCCD31E}" type="datetimeFigureOut">
               <a:rPr kumimoji="1" lang="ja-JP" altLang="en-US" smtClean="0"/>
-              <a:t>2024/10/31</a:t>
+              <a:t>2024/11/15</a:t>
             </a:fld>
             <a:endParaRPr kumimoji="1" lang="ja-JP" altLang="en-US"/>
           </a:p>
@@ -492,7 +492,7 @@
           <a:p>
             <a:fld id="{9D2A0C2B-70AD-47E1-B89E-10E5CBCCD31E}" type="datetimeFigureOut">
               <a:rPr kumimoji="1" lang="ja-JP" altLang="en-US" smtClean="0"/>
-              <a:t>2024/10/31</a:t>
+              <a:t>2024/11/15</a:t>
             </a:fld>
             <a:endParaRPr kumimoji="1" lang="ja-JP" altLang="en-US"/>
           </a:p>
@@ -732,7 +732,7 @@
           <a:p>
             <a:fld id="{9D2A0C2B-70AD-47E1-B89E-10E5CBCCD31E}" type="datetimeFigureOut">
               <a:rPr kumimoji="1" lang="ja-JP" altLang="en-US" smtClean="0"/>
-              <a:t>2024/10/31</a:t>
+              <a:t>2024/11/15</a:t>
             </a:fld>
             <a:endParaRPr kumimoji="1" lang="ja-JP" altLang="en-US"/>
           </a:p>
@@ -962,7 +962,7 @@
           <a:p>
             <a:fld id="{9D2A0C2B-70AD-47E1-B89E-10E5CBCCD31E}" type="datetimeFigureOut">
               <a:rPr kumimoji="1" lang="ja-JP" altLang="en-US" smtClean="0"/>
-              <a:t>2024/10/31</a:t>
+              <a:t>2024/11/15</a:t>
             </a:fld>
             <a:endParaRPr kumimoji="1" lang="ja-JP" altLang="en-US"/>
           </a:p>
@@ -1237,7 +1237,7 @@
           <a:p>
             <a:fld id="{9D2A0C2B-70AD-47E1-B89E-10E5CBCCD31E}" type="datetimeFigureOut">
               <a:rPr kumimoji="1" lang="ja-JP" altLang="en-US" smtClean="0"/>
-              <a:t>2024/10/31</a:t>
+              <a:t>2024/11/15</a:t>
             </a:fld>
             <a:endParaRPr kumimoji="1" lang="ja-JP" altLang="en-US"/>
           </a:p>
@@ -1566,7 +1566,7 @@
           <a:p>
             <a:fld id="{9D2A0C2B-70AD-47E1-B89E-10E5CBCCD31E}" type="datetimeFigureOut">
               <a:rPr kumimoji="1" lang="ja-JP" altLang="en-US" smtClean="0"/>
-              <a:t>2024/10/31</a:t>
+              <a:t>2024/11/15</a:t>
             </a:fld>
             <a:endParaRPr kumimoji="1" lang="ja-JP" altLang="en-US"/>
           </a:p>
@@ -2042,7 +2042,7 @@
           <a:p>
             <a:fld id="{9D2A0C2B-70AD-47E1-B89E-10E5CBCCD31E}" type="datetimeFigureOut">
               <a:rPr kumimoji="1" lang="ja-JP" altLang="en-US" smtClean="0"/>
-              <a:t>2024/10/31</a:t>
+              <a:t>2024/11/15</a:t>
             </a:fld>
             <a:endParaRPr kumimoji="1" lang="ja-JP" altLang="en-US"/>
           </a:p>
@@ -2183,7 +2183,7 @@
           <a:p>
             <a:fld id="{9D2A0C2B-70AD-47E1-B89E-10E5CBCCD31E}" type="datetimeFigureOut">
               <a:rPr kumimoji="1" lang="ja-JP" altLang="en-US" smtClean="0"/>
-              <a:t>2024/10/31</a:t>
+              <a:t>2024/11/15</a:t>
             </a:fld>
             <a:endParaRPr kumimoji="1" lang="ja-JP" altLang="en-US"/>
           </a:p>
@@ -2296,7 +2296,7 @@
           <a:p>
             <a:fld id="{9D2A0C2B-70AD-47E1-B89E-10E5CBCCD31E}" type="datetimeFigureOut">
               <a:rPr kumimoji="1" lang="ja-JP" altLang="en-US" smtClean="0"/>
-              <a:t>2024/10/31</a:t>
+              <a:t>2024/11/15</a:t>
             </a:fld>
             <a:endParaRPr kumimoji="1" lang="ja-JP" altLang="en-US"/>
           </a:p>
@@ -2639,7 +2639,7 @@
           <a:p>
             <a:fld id="{9D2A0C2B-70AD-47E1-B89E-10E5CBCCD31E}" type="datetimeFigureOut">
               <a:rPr kumimoji="1" lang="ja-JP" altLang="en-US" smtClean="0"/>
-              <a:t>2024/10/31</a:t>
+              <a:t>2024/11/15</a:t>
             </a:fld>
             <a:endParaRPr kumimoji="1" lang="ja-JP" altLang="en-US"/>
           </a:p>
@@ -2927,7 +2927,7 @@
           <a:p>
             <a:fld id="{9D2A0C2B-70AD-47E1-B89E-10E5CBCCD31E}" type="datetimeFigureOut">
               <a:rPr kumimoji="1" lang="ja-JP" altLang="en-US" smtClean="0"/>
-              <a:t>2024/10/31</a:t>
+              <a:t>2024/11/15</a:t>
             </a:fld>
             <a:endParaRPr kumimoji="1" lang="ja-JP" altLang="en-US"/>
           </a:p>
@@ -3200,7 +3200,7 @@
           <a:p>
             <a:fld id="{9D2A0C2B-70AD-47E1-B89E-10E5CBCCD31E}" type="datetimeFigureOut">
               <a:rPr kumimoji="1" lang="ja-JP" altLang="en-US" smtClean="0"/>
-              <a:t>2024/10/31</a:t>
+              <a:t>2024/11/15</a:t>
             </a:fld>
             <a:endParaRPr kumimoji="1" lang="ja-JP" altLang="en-US"/>
           </a:p>
@@ -3931,118 +3931,6 @@
           <a:chExt cx="0" cy="0"/>
         </a:xfrm>
       </p:grpSpPr>
-      <p:sp>
-        <p:nvSpPr>
-          <p:cNvPr id="4" name="楕円 3">
-            <a:extLst>
-              <a:ext uri="{FF2B5EF4-FFF2-40B4-BE49-F238E27FC236}">
-                <a16:creationId xmlns:a16="http://schemas.microsoft.com/office/drawing/2014/main" id="{A463889E-DB41-9C27-C68F-1BA56CC54380}"/>
-              </a:ext>
-            </a:extLst>
-          </p:cNvPr>
-          <p:cNvSpPr/>
-          <p:nvPr/>
-        </p:nvSpPr>
-        <p:spPr>
-          <a:xfrm>
-            <a:off x="5009796" y="1600200"/>
-            <a:ext cx="3211286" cy="3211286"/>
-          </a:xfrm>
-          <a:prstGeom prst="ellipse">
-            <a:avLst/>
-          </a:prstGeom>
-          <a:solidFill>
-            <a:schemeClr val="bg1"/>
-          </a:solidFill>
-          <a:ln>
-            <a:noFill/>
-          </a:ln>
-        </p:spPr>
-        <p:style>
-          <a:lnRef idx="2">
-            <a:schemeClr val="accent1">
-              <a:shade val="15000"/>
-            </a:schemeClr>
-          </a:lnRef>
-          <a:fillRef idx="1">
-            <a:schemeClr val="accent1"/>
-          </a:fillRef>
-          <a:effectRef idx="0">
-            <a:schemeClr val="accent1"/>
-          </a:effectRef>
-          <a:fontRef idx="minor">
-            <a:schemeClr val="lt1"/>
-          </a:fontRef>
-        </p:style>
-        <p:txBody>
-          <a:bodyPr rtlCol="0" anchor="ctr"/>
-          <a:lstStyle/>
-          <a:p>
-            <a:pPr algn="ctr"/>
-            <a:endParaRPr kumimoji="1" lang="ja-JP" altLang="en-US"/>
-          </a:p>
-        </p:txBody>
-      </p:sp>
-      <p:sp>
-        <p:nvSpPr>
-          <p:cNvPr id="2" name="楕円 1">
-            <a:extLst>
-              <a:ext uri="{FF2B5EF4-FFF2-40B4-BE49-F238E27FC236}">
-                <a16:creationId xmlns:a16="http://schemas.microsoft.com/office/drawing/2014/main" id="{8585E1A9-0181-1AE4-8BE5-B7B1E7793C74}"/>
-              </a:ext>
-            </a:extLst>
-          </p:cNvPr>
-          <p:cNvSpPr/>
-          <p:nvPr/>
-        </p:nvSpPr>
-        <p:spPr>
-          <a:xfrm>
-            <a:off x="5191540" y="1649896"/>
-            <a:ext cx="1875182" cy="1875182"/>
-          </a:xfrm>
-          <a:prstGeom prst="ellipse">
-            <a:avLst/>
-          </a:prstGeom>
-          <a:solidFill>
-            <a:schemeClr val="bg1"/>
-          </a:solidFill>
-          <a:ln>
-            <a:solidFill>
-              <a:schemeClr val="bg1"/>
-            </a:solidFill>
-          </a:ln>
-        </p:spPr>
-        <p:style>
-          <a:lnRef idx="2">
-            <a:schemeClr val="accent1">
-              <a:shade val="15000"/>
-            </a:schemeClr>
-          </a:lnRef>
-          <a:fillRef idx="1">
-            <a:schemeClr val="accent1"/>
-          </a:fillRef>
-          <a:effectRef idx="0">
-            <a:schemeClr val="accent1"/>
-          </a:effectRef>
-          <a:fontRef idx="minor">
-            <a:schemeClr val="lt1"/>
-          </a:fontRef>
-        </p:style>
-        <p:txBody>
-          <a:bodyPr rtlCol="0" anchor="ctr"/>
-          <a:lstStyle/>
-          <a:p>
-            <a:pPr algn="ctr"/>
-            <a:endParaRPr kumimoji="1" lang="ja-JP" altLang="en-US">
-              <a:ln>
-                <a:solidFill>
-                  <a:sysClr val="windowText" lastClr="000000"/>
-                </a:solidFill>
-              </a:ln>
-            </a:endParaRPr>
-          </a:p>
-        </p:txBody>
-      </p:sp>
     </p:spTree>
     <p:extLst>
       <p:ext uri="{BB962C8B-B14F-4D97-AF65-F5344CB8AC3E}">
@@ -4597,7 +4485,7 @@
         </p:nvSpPr>
         <p:spPr>
           <a:xfrm>
-            <a:off x="5855805" y="563880"/>
+            <a:off x="4061791" y="2342986"/>
             <a:ext cx="1625600" cy="1625600"/>
           </a:xfrm>
           <a:prstGeom prst="ellipse">
@@ -4660,7 +4548,7 @@
         </p:nvSpPr>
         <p:spPr>
           <a:xfrm>
-            <a:off x="6466067" y="3155786"/>
+            <a:off x="-1972255" y="4924951"/>
             <a:ext cx="1625600" cy="1625600"/>
           </a:xfrm>
           <a:prstGeom prst="ellipse">
@@ -4672,6 +4560,69 @@
                 <a:srgbClr val="FF0000"/>
               </a:gs>
               <a:gs pos="75000">
+                <a:schemeClr val="tx1"/>
+              </a:gs>
+            </a:gsLst>
+            <a:path path="circle">
+              <a:fillToRect l="50000" t="50000" r="50000" b="50000"/>
+            </a:path>
+            <a:tileRect/>
+          </a:gradFill>
+          <a:ln>
+            <a:noFill/>
+          </a:ln>
+        </p:spPr>
+        <p:style>
+          <a:lnRef idx="2">
+            <a:schemeClr val="accent1">
+              <a:shade val="15000"/>
+            </a:schemeClr>
+          </a:lnRef>
+          <a:fillRef idx="1">
+            <a:schemeClr val="accent1"/>
+          </a:fillRef>
+          <a:effectRef idx="0">
+            <a:schemeClr val="accent1"/>
+          </a:effectRef>
+          <a:fontRef idx="minor">
+            <a:schemeClr val="lt1"/>
+          </a:fontRef>
+        </p:style>
+        <p:txBody>
+          <a:bodyPr rtlCol="0" anchor="ctr"/>
+          <a:lstStyle/>
+          <a:p>
+            <a:pPr algn="ctr"/>
+            <a:endParaRPr kumimoji="1" lang="ja-JP" altLang="en-US"/>
+          </a:p>
+        </p:txBody>
+      </p:sp>
+      <p:sp>
+        <p:nvSpPr>
+          <p:cNvPr id="9" name="楕円 8">
+            <a:extLst>
+              <a:ext uri="{FF2B5EF4-FFF2-40B4-BE49-F238E27FC236}">
+                <a16:creationId xmlns:a16="http://schemas.microsoft.com/office/drawing/2014/main" id="{5224883C-B5F4-72F0-D4DD-F3D9D5DBF867}"/>
+              </a:ext>
+            </a:extLst>
+          </p:cNvPr>
+          <p:cNvSpPr/>
+          <p:nvPr/>
+        </p:nvSpPr>
+        <p:spPr>
+          <a:xfrm>
+            <a:off x="5936972" y="2417801"/>
+            <a:ext cx="1625600" cy="1625600"/>
+          </a:xfrm>
+          <a:prstGeom prst="ellipse">
+            <a:avLst/>
+          </a:prstGeom>
+          <a:gradFill flip="none" rotWithShape="1">
+            <a:gsLst>
+              <a:gs pos="0">
+                <a:srgbClr val="FF0000"/>
+              </a:gs>
+              <a:gs pos="65000">
                 <a:schemeClr val="tx1"/>
               </a:gs>
             </a:gsLst>

--- a/素材.pptx
+++ b/素材.pptx
@@ -262,7 +262,7 @@
           <a:p>
             <a:fld id="{9D2A0C2B-70AD-47E1-B89E-10E5CBCCD31E}" type="datetimeFigureOut">
               <a:rPr kumimoji="1" lang="ja-JP" altLang="en-US" smtClean="0"/>
-              <a:t>2024/11/15</a:t>
+              <a:t>2024/12/3</a:t>
             </a:fld>
             <a:endParaRPr kumimoji="1" lang="ja-JP" altLang="en-US"/>
           </a:p>
@@ -492,7 +492,7 @@
           <a:p>
             <a:fld id="{9D2A0C2B-70AD-47E1-B89E-10E5CBCCD31E}" type="datetimeFigureOut">
               <a:rPr kumimoji="1" lang="ja-JP" altLang="en-US" smtClean="0"/>
-              <a:t>2024/11/15</a:t>
+              <a:t>2024/12/3</a:t>
             </a:fld>
             <a:endParaRPr kumimoji="1" lang="ja-JP" altLang="en-US"/>
           </a:p>
@@ -732,7 +732,7 @@
           <a:p>
             <a:fld id="{9D2A0C2B-70AD-47E1-B89E-10E5CBCCD31E}" type="datetimeFigureOut">
               <a:rPr kumimoji="1" lang="ja-JP" altLang="en-US" smtClean="0"/>
-              <a:t>2024/11/15</a:t>
+              <a:t>2024/12/3</a:t>
             </a:fld>
             <a:endParaRPr kumimoji="1" lang="ja-JP" altLang="en-US"/>
           </a:p>
@@ -962,7 +962,7 @@
           <a:p>
             <a:fld id="{9D2A0C2B-70AD-47E1-B89E-10E5CBCCD31E}" type="datetimeFigureOut">
               <a:rPr kumimoji="1" lang="ja-JP" altLang="en-US" smtClean="0"/>
-              <a:t>2024/11/15</a:t>
+              <a:t>2024/12/3</a:t>
             </a:fld>
             <a:endParaRPr kumimoji="1" lang="ja-JP" altLang="en-US"/>
           </a:p>
@@ -1237,7 +1237,7 @@
           <a:p>
             <a:fld id="{9D2A0C2B-70AD-47E1-B89E-10E5CBCCD31E}" type="datetimeFigureOut">
               <a:rPr kumimoji="1" lang="ja-JP" altLang="en-US" smtClean="0"/>
-              <a:t>2024/11/15</a:t>
+              <a:t>2024/12/3</a:t>
             </a:fld>
             <a:endParaRPr kumimoji="1" lang="ja-JP" altLang="en-US"/>
           </a:p>
@@ -1566,7 +1566,7 @@
           <a:p>
             <a:fld id="{9D2A0C2B-70AD-47E1-B89E-10E5CBCCD31E}" type="datetimeFigureOut">
               <a:rPr kumimoji="1" lang="ja-JP" altLang="en-US" smtClean="0"/>
-              <a:t>2024/11/15</a:t>
+              <a:t>2024/12/3</a:t>
             </a:fld>
             <a:endParaRPr kumimoji="1" lang="ja-JP" altLang="en-US"/>
           </a:p>
@@ -2042,7 +2042,7 @@
           <a:p>
             <a:fld id="{9D2A0C2B-70AD-47E1-B89E-10E5CBCCD31E}" type="datetimeFigureOut">
               <a:rPr kumimoji="1" lang="ja-JP" altLang="en-US" smtClean="0"/>
-              <a:t>2024/11/15</a:t>
+              <a:t>2024/12/3</a:t>
             </a:fld>
             <a:endParaRPr kumimoji="1" lang="ja-JP" altLang="en-US"/>
           </a:p>
@@ -2183,7 +2183,7 @@
           <a:p>
             <a:fld id="{9D2A0C2B-70AD-47E1-B89E-10E5CBCCD31E}" type="datetimeFigureOut">
               <a:rPr kumimoji="1" lang="ja-JP" altLang="en-US" smtClean="0"/>
-              <a:t>2024/11/15</a:t>
+              <a:t>2024/12/3</a:t>
             </a:fld>
             <a:endParaRPr kumimoji="1" lang="ja-JP" altLang="en-US"/>
           </a:p>
@@ -2296,7 +2296,7 @@
           <a:p>
             <a:fld id="{9D2A0C2B-70AD-47E1-B89E-10E5CBCCD31E}" type="datetimeFigureOut">
               <a:rPr kumimoji="1" lang="ja-JP" altLang="en-US" smtClean="0"/>
-              <a:t>2024/11/15</a:t>
+              <a:t>2024/12/3</a:t>
             </a:fld>
             <a:endParaRPr kumimoji="1" lang="ja-JP" altLang="en-US"/>
           </a:p>
@@ -2639,7 +2639,7 @@
           <a:p>
             <a:fld id="{9D2A0C2B-70AD-47E1-B89E-10E5CBCCD31E}" type="datetimeFigureOut">
               <a:rPr kumimoji="1" lang="ja-JP" altLang="en-US" smtClean="0"/>
-              <a:t>2024/11/15</a:t>
+              <a:t>2024/12/3</a:t>
             </a:fld>
             <a:endParaRPr kumimoji="1" lang="ja-JP" altLang="en-US"/>
           </a:p>
@@ -2927,7 +2927,7 @@
           <a:p>
             <a:fld id="{9D2A0C2B-70AD-47E1-B89E-10E5CBCCD31E}" type="datetimeFigureOut">
               <a:rPr kumimoji="1" lang="ja-JP" altLang="en-US" smtClean="0"/>
-              <a:t>2024/11/15</a:t>
+              <a:t>2024/12/3</a:t>
             </a:fld>
             <a:endParaRPr kumimoji="1" lang="ja-JP" altLang="en-US"/>
           </a:p>
@@ -3200,7 +3200,7 @@
           <a:p>
             <a:fld id="{9D2A0C2B-70AD-47E1-B89E-10E5CBCCD31E}" type="datetimeFigureOut">
               <a:rPr kumimoji="1" lang="ja-JP" altLang="en-US" smtClean="0"/>
-              <a:t>2024/11/15</a:t>
+              <a:t>2024/12/3</a:t>
             </a:fld>
             <a:endParaRPr kumimoji="1" lang="ja-JP" altLang="en-US"/>
           </a:p>
@@ -4630,6 +4630,69 @@
               <a:fillToRect l="50000" t="50000" r="50000" b="50000"/>
             </a:path>
             <a:tileRect/>
+          </a:gradFill>
+          <a:ln>
+            <a:noFill/>
+          </a:ln>
+        </p:spPr>
+        <p:style>
+          <a:lnRef idx="2">
+            <a:schemeClr val="accent1">
+              <a:shade val="15000"/>
+            </a:schemeClr>
+          </a:lnRef>
+          <a:fillRef idx="1">
+            <a:schemeClr val="accent1"/>
+          </a:fillRef>
+          <a:effectRef idx="0">
+            <a:schemeClr val="accent1"/>
+          </a:effectRef>
+          <a:fontRef idx="minor">
+            <a:schemeClr val="lt1"/>
+          </a:fontRef>
+        </p:style>
+        <p:txBody>
+          <a:bodyPr rtlCol="0" anchor="ctr"/>
+          <a:lstStyle/>
+          <a:p>
+            <a:pPr algn="ctr"/>
+            <a:endParaRPr kumimoji="1" lang="ja-JP" altLang="en-US"/>
+          </a:p>
+        </p:txBody>
+      </p:sp>
+      <p:sp>
+        <p:nvSpPr>
+          <p:cNvPr id="8" name="正方形/長方形 7">
+            <a:extLst>
+              <a:ext uri="{FF2B5EF4-FFF2-40B4-BE49-F238E27FC236}">
+                <a16:creationId xmlns:a16="http://schemas.microsoft.com/office/drawing/2014/main" id="{A8587134-AF6C-0B91-4026-0BBF5E9FA453}"/>
+              </a:ext>
+            </a:extLst>
+          </p:cNvPr>
+          <p:cNvSpPr/>
+          <p:nvPr/>
+        </p:nvSpPr>
+        <p:spPr>
+          <a:xfrm>
+            <a:off x="-485803" y="625888"/>
+            <a:ext cx="13009107" cy="695739"/>
+          </a:xfrm>
+          <a:prstGeom prst="rect">
+            <a:avLst/>
+          </a:prstGeom>
+          <a:gradFill>
+            <a:gsLst>
+              <a:gs pos="0">
+                <a:srgbClr val="232323"/>
+              </a:gs>
+              <a:gs pos="50000">
+                <a:srgbClr val="FF0000"/>
+              </a:gs>
+              <a:gs pos="100000">
+                <a:srgbClr val="232323"/>
+              </a:gs>
+            </a:gsLst>
+            <a:lin ang="5400000" scaled="1"/>
           </a:gradFill>
           <a:ln>
             <a:noFill/>

--- a/素材.pptx
+++ b/素材.pptx
@@ -8,7 +8,10 @@
     <p:sldId id="256" r:id="rId2"/>
     <p:sldId id="259" r:id="rId3"/>
     <p:sldId id="257" r:id="rId4"/>
-    <p:sldId id="258" r:id="rId5"/>
+    <p:sldId id="260" r:id="rId5"/>
+    <p:sldId id="261" r:id="rId6"/>
+    <p:sldId id="262" r:id="rId7"/>
+    <p:sldId id="258" r:id="rId8"/>
   </p:sldIdLst>
   <p:sldSz cx="12192000" cy="6858000"/>
   <p:notesSz cx="6858000" cy="9144000"/>
@@ -262,7 +265,7 @@
           <a:p>
             <a:fld id="{9D2A0C2B-70AD-47E1-B89E-10E5CBCCD31E}" type="datetimeFigureOut">
               <a:rPr kumimoji="1" lang="ja-JP" altLang="en-US" smtClean="0"/>
-              <a:t>2024/12/3</a:t>
+              <a:t>2024/12/16</a:t>
             </a:fld>
             <a:endParaRPr kumimoji="1" lang="ja-JP" altLang="en-US"/>
           </a:p>
@@ -492,7 +495,7 @@
           <a:p>
             <a:fld id="{9D2A0C2B-70AD-47E1-B89E-10E5CBCCD31E}" type="datetimeFigureOut">
               <a:rPr kumimoji="1" lang="ja-JP" altLang="en-US" smtClean="0"/>
-              <a:t>2024/12/3</a:t>
+              <a:t>2024/12/16</a:t>
             </a:fld>
             <a:endParaRPr kumimoji="1" lang="ja-JP" altLang="en-US"/>
           </a:p>
@@ -732,7 +735,7 @@
           <a:p>
             <a:fld id="{9D2A0C2B-70AD-47E1-B89E-10E5CBCCD31E}" type="datetimeFigureOut">
               <a:rPr kumimoji="1" lang="ja-JP" altLang="en-US" smtClean="0"/>
-              <a:t>2024/12/3</a:t>
+              <a:t>2024/12/16</a:t>
             </a:fld>
             <a:endParaRPr kumimoji="1" lang="ja-JP" altLang="en-US"/>
           </a:p>
@@ -962,7 +965,7 @@
           <a:p>
             <a:fld id="{9D2A0C2B-70AD-47E1-B89E-10E5CBCCD31E}" type="datetimeFigureOut">
               <a:rPr kumimoji="1" lang="ja-JP" altLang="en-US" smtClean="0"/>
-              <a:t>2024/12/3</a:t>
+              <a:t>2024/12/16</a:t>
             </a:fld>
             <a:endParaRPr kumimoji="1" lang="ja-JP" altLang="en-US"/>
           </a:p>
@@ -1237,7 +1240,7 @@
           <a:p>
             <a:fld id="{9D2A0C2B-70AD-47E1-B89E-10E5CBCCD31E}" type="datetimeFigureOut">
               <a:rPr kumimoji="1" lang="ja-JP" altLang="en-US" smtClean="0"/>
-              <a:t>2024/12/3</a:t>
+              <a:t>2024/12/16</a:t>
             </a:fld>
             <a:endParaRPr kumimoji="1" lang="ja-JP" altLang="en-US"/>
           </a:p>
@@ -1566,7 +1569,7 @@
           <a:p>
             <a:fld id="{9D2A0C2B-70AD-47E1-B89E-10E5CBCCD31E}" type="datetimeFigureOut">
               <a:rPr kumimoji="1" lang="ja-JP" altLang="en-US" smtClean="0"/>
-              <a:t>2024/12/3</a:t>
+              <a:t>2024/12/16</a:t>
             </a:fld>
             <a:endParaRPr kumimoji="1" lang="ja-JP" altLang="en-US"/>
           </a:p>
@@ -2042,7 +2045,7 @@
           <a:p>
             <a:fld id="{9D2A0C2B-70AD-47E1-B89E-10E5CBCCD31E}" type="datetimeFigureOut">
               <a:rPr kumimoji="1" lang="ja-JP" altLang="en-US" smtClean="0"/>
-              <a:t>2024/12/3</a:t>
+              <a:t>2024/12/16</a:t>
             </a:fld>
             <a:endParaRPr kumimoji="1" lang="ja-JP" altLang="en-US"/>
           </a:p>
@@ -2183,7 +2186,7 @@
           <a:p>
             <a:fld id="{9D2A0C2B-70AD-47E1-B89E-10E5CBCCD31E}" type="datetimeFigureOut">
               <a:rPr kumimoji="1" lang="ja-JP" altLang="en-US" smtClean="0"/>
-              <a:t>2024/12/3</a:t>
+              <a:t>2024/12/16</a:t>
             </a:fld>
             <a:endParaRPr kumimoji="1" lang="ja-JP" altLang="en-US"/>
           </a:p>
@@ -2296,7 +2299,7 @@
           <a:p>
             <a:fld id="{9D2A0C2B-70AD-47E1-B89E-10E5CBCCD31E}" type="datetimeFigureOut">
               <a:rPr kumimoji="1" lang="ja-JP" altLang="en-US" smtClean="0"/>
-              <a:t>2024/12/3</a:t>
+              <a:t>2024/12/16</a:t>
             </a:fld>
             <a:endParaRPr kumimoji="1" lang="ja-JP" altLang="en-US"/>
           </a:p>
@@ -2639,7 +2642,7 @@
           <a:p>
             <a:fld id="{9D2A0C2B-70AD-47E1-B89E-10E5CBCCD31E}" type="datetimeFigureOut">
               <a:rPr kumimoji="1" lang="ja-JP" altLang="en-US" smtClean="0"/>
-              <a:t>2024/12/3</a:t>
+              <a:t>2024/12/16</a:t>
             </a:fld>
             <a:endParaRPr kumimoji="1" lang="ja-JP" altLang="en-US"/>
           </a:p>
@@ -2927,7 +2930,7 @@
           <a:p>
             <a:fld id="{9D2A0C2B-70AD-47E1-B89E-10E5CBCCD31E}" type="datetimeFigureOut">
               <a:rPr kumimoji="1" lang="ja-JP" altLang="en-US" smtClean="0"/>
-              <a:t>2024/12/3</a:t>
+              <a:t>2024/12/16</a:t>
             </a:fld>
             <a:endParaRPr kumimoji="1" lang="ja-JP" altLang="en-US"/>
           </a:p>
@@ -3200,7 +3203,7 @@
           <a:p>
             <a:fld id="{9D2A0C2B-70AD-47E1-B89E-10E5CBCCD31E}" type="datetimeFigureOut">
               <a:rPr kumimoji="1" lang="ja-JP" altLang="en-US" smtClean="0"/>
-              <a:t>2024/12/3</a:t>
+              <a:t>2024/12/16</a:t>
             </a:fld>
             <a:endParaRPr kumimoji="1" lang="ja-JP" altLang="en-US"/>
           </a:p>
@@ -4211,6 +4214,1668 @@
 </file>
 
 <file path=ppt/slides/slide4.xml><?xml version="1.0" encoding="utf-8"?>
+<p:sld xmlns:a="http://schemas.openxmlformats.org/drawingml/2006/main" xmlns:r="http://schemas.openxmlformats.org/officeDocument/2006/relationships" xmlns:p="http://schemas.openxmlformats.org/presentationml/2006/main">
+  <p:cSld>
+    <p:spTree>
+      <p:nvGrpSpPr>
+        <p:cNvPr id="1" name="">
+          <a:extLst>
+            <a:ext uri="{FF2B5EF4-FFF2-40B4-BE49-F238E27FC236}">
+              <a16:creationId xmlns:a16="http://schemas.microsoft.com/office/drawing/2014/main" id="{E68BCDF1-FC38-FF74-50BD-A3FEABCD1C2C}"/>
+            </a:ext>
+          </a:extLst>
+        </p:cNvPr>
+        <p:cNvGrpSpPr/>
+        <p:nvPr/>
+      </p:nvGrpSpPr>
+      <p:grpSpPr>
+        <a:xfrm>
+          <a:off x="0" y="0"/>
+          <a:ext cx="0" cy="0"/>
+          <a:chOff x="0" y="0"/>
+          <a:chExt cx="0" cy="0"/>
+        </a:xfrm>
+      </p:grpSpPr>
+      <p:sp>
+        <p:nvSpPr>
+          <p:cNvPr id="29" name="正方形/長方形 28">
+            <a:extLst>
+              <a:ext uri="{FF2B5EF4-FFF2-40B4-BE49-F238E27FC236}">
+                <a16:creationId xmlns:a16="http://schemas.microsoft.com/office/drawing/2014/main" id="{E99C0821-DF45-5AF3-4F64-4D35D3D82B86}"/>
+              </a:ext>
+            </a:extLst>
+          </p:cNvPr>
+          <p:cNvSpPr/>
+          <p:nvPr/>
+        </p:nvSpPr>
+        <p:spPr>
+          <a:xfrm>
+            <a:off x="0" y="12401"/>
+            <a:ext cx="12303889" cy="7025007"/>
+          </a:xfrm>
+          <a:prstGeom prst="rect">
+            <a:avLst/>
+          </a:prstGeom>
+        </p:spPr>
+        <p:style>
+          <a:lnRef idx="2">
+            <a:schemeClr val="accent1">
+              <a:shade val="15000"/>
+            </a:schemeClr>
+          </a:lnRef>
+          <a:fillRef idx="1">
+            <a:schemeClr val="accent1"/>
+          </a:fillRef>
+          <a:effectRef idx="0">
+            <a:schemeClr val="accent1"/>
+          </a:effectRef>
+          <a:fontRef idx="minor">
+            <a:schemeClr val="lt1"/>
+          </a:fontRef>
+        </p:style>
+        <p:txBody>
+          <a:bodyPr rtlCol="0" anchor="ctr"/>
+          <a:lstStyle/>
+          <a:p>
+            <a:pPr algn="ctr"/>
+            <a:endParaRPr kumimoji="1" lang="ja-JP" altLang="en-US"/>
+          </a:p>
+        </p:txBody>
+      </p:sp>
+      <p:sp>
+        <p:nvSpPr>
+          <p:cNvPr id="2" name="テキスト ボックス 1">
+            <a:extLst>
+              <a:ext uri="{FF2B5EF4-FFF2-40B4-BE49-F238E27FC236}">
+                <a16:creationId xmlns:a16="http://schemas.microsoft.com/office/drawing/2014/main" id="{33AC1348-8DAA-B720-3631-024D8FE3F1BA}"/>
+              </a:ext>
+            </a:extLst>
+          </p:cNvPr>
+          <p:cNvSpPr txBox="1"/>
+          <p:nvPr/>
+        </p:nvSpPr>
+        <p:spPr>
+          <a:xfrm>
+            <a:off x="963969" y="524210"/>
+            <a:ext cx="10800000" cy="540000"/>
+          </a:xfrm>
+          <a:prstGeom prst="rect">
+            <a:avLst/>
+          </a:prstGeom>
+          <a:noFill/>
+        </p:spPr>
+        <p:txBody>
+          <a:bodyPr wrap="square" rtlCol="0">
+            <a:spAutoFit/>
+          </a:bodyPr>
+          <a:lstStyle/>
+          <a:p>
+            <a:pPr algn="ctr"/>
+            <a:r>
+              <a:rPr kumimoji="1" lang="ja-JP" altLang="en-US" sz="2800" b="1" dirty="0">
+                <a:solidFill>
+                  <a:schemeClr val="bg1"/>
+                </a:solidFill>
+              </a:rPr>
+              <a:t>かつて光に満ちていた屋敷は、ある日突然、暗闇に包まれた。</a:t>
+            </a:r>
+          </a:p>
+        </p:txBody>
+      </p:sp>
+      <p:sp>
+        <p:nvSpPr>
+          <p:cNvPr id="7" name="テキスト ボックス 6">
+            <a:extLst>
+              <a:ext uri="{FF2B5EF4-FFF2-40B4-BE49-F238E27FC236}">
+                <a16:creationId xmlns:a16="http://schemas.microsoft.com/office/drawing/2014/main" id="{A320AAA1-2BAD-11FB-FD5D-C0057F7D4C1E}"/>
+              </a:ext>
+            </a:extLst>
+          </p:cNvPr>
+          <p:cNvSpPr txBox="1"/>
+          <p:nvPr/>
+        </p:nvSpPr>
+        <p:spPr>
+          <a:xfrm>
+            <a:off x="963969" y="0"/>
+            <a:ext cx="10800000" cy="540000"/>
+          </a:xfrm>
+          <a:prstGeom prst="rect">
+            <a:avLst/>
+          </a:prstGeom>
+          <a:noFill/>
+        </p:spPr>
+        <p:txBody>
+          <a:bodyPr wrap="square" rtlCol="0">
+            <a:spAutoFit/>
+          </a:bodyPr>
+          <a:lstStyle/>
+          <a:p>
+            <a:pPr algn="ctr"/>
+            <a:r>
+              <a:rPr kumimoji="1" lang="ja-JP" altLang="en-US" sz="2800" b="1" dirty="0">
+                <a:solidFill>
+                  <a:schemeClr val="bg1"/>
+                </a:solidFill>
+              </a:rPr>
+              <a:t>光を取り戻さなければ、この場所は永遠に失われてしまう。</a:t>
+            </a:r>
+          </a:p>
+        </p:txBody>
+      </p:sp>
+      <p:sp>
+        <p:nvSpPr>
+          <p:cNvPr id="11" name="テキスト ボックス 10">
+            <a:extLst>
+              <a:ext uri="{FF2B5EF4-FFF2-40B4-BE49-F238E27FC236}">
+                <a16:creationId xmlns:a16="http://schemas.microsoft.com/office/drawing/2014/main" id="{729F3C6B-353A-B5E0-918B-83F21D063CBA}"/>
+              </a:ext>
+            </a:extLst>
+          </p:cNvPr>
+          <p:cNvSpPr txBox="1"/>
+          <p:nvPr/>
+        </p:nvSpPr>
+        <p:spPr>
+          <a:xfrm>
+            <a:off x="963969" y="1056315"/>
+            <a:ext cx="10800000" cy="540000"/>
+          </a:xfrm>
+          <a:prstGeom prst="rect">
+            <a:avLst/>
+          </a:prstGeom>
+          <a:noFill/>
+        </p:spPr>
+        <p:txBody>
+          <a:bodyPr wrap="square" rtlCol="0">
+            <a:spAutoFit/>
+          </a:bodyPr>
+          <a:lstStyle/>
+          <a:p>
+            <a:pPr algn="ctr"/>
+            <a:r>
+              <a:rPr kumimoji="1" lang="ja-JP" altLang="en-US" sz="2800" b="1" dirty="0">
+                <a:solidFill>
+                  <a:schemeClr val="bg1"/>
+                </a:solidFill>
+              </a:rPr>
+              <a:t>屋敷に再び光を呼び戻すため、闇を照らし、ランプを灯そう。</a:t>
+            </a:r>
+          </a:p>
+        </p:txBody>
+      </p:sp>
+      <p:sp>
+        <p:nvSpPr>
+          <p:cNvPr id="13" name="テキスト ボックス 12">
+            <a:extLst>
+              <a:ext uri="{FF2B5EF4-FFF2-40B4-BE49-F238E27FC236}">
+                <a16:creationId xmlns:a16="http://schemas.microsoft.com/office/drawing/2014/main" id="{EBFE829E-F935-7547-F5D6-A3E177D9D03C}"/>
+              </a:ext>
+            </a:extLst>
+          </p:cNvPr>
+          <p:cNvSpPr txBox="1"/>
+          <p:nvPr/>
+        </p:nvSpPr>
+        <p:spPr>
+          <a:xfrm>
+            <a:off x="963969" y="1588420"/>
+            <a:ext cx="10800000" cy="540000"/>
+          </a:xfrm>
+          <a:prstGeom prst="rect">
+            <a:avLst/>
+          </a:prstGeom>
+          <a:noFill/>
+        </p:spPr>
+        <p:txBody>
+          <a:bodyPr wrap="square" rtlCol="0">
+            <a:spAutoFit/>
+          </a:bodyPr>
+          <a:lstStyle/>
+          <a:p>
+            <a:pPr algn="ctr"/>
+            <a:r>
+              <a:rPr kumimoji="1" lang="ja-JP" altLang="en-US" sz="2800" b="1" dirty="0">
+                <a:solidFill>
+                  <a:schemeClr val="bg1"/>
+                </a:solidFill>
+              </a:rPr>
+              <a:t>まずは、自分の周りを照らしてみよう。</a:t>
+            </a:r>
+          </a:p>
+        </p:txBody>
+      </p:sp>
+      <p:sp>
+        <p:nvSpPr>
+          <p:cNvPr id="20" name="テキスト ボックス 19">
+            <a:extLst>
+              <a:ext uri="{FF2B5EF4-FFF2-40B4-BE49-F238E27FC236}">
+                <a16:creationId xmlns:a16="http://schemas.microsoft.com/office/drawing/2014/main" id="{43374D57-C593-E535-A22C-28EA8603A55D}"/>
+              </a:ext>
+            </a:extLst>
+          </p:cNvPr>
+          <p:cNvSpPr txBox="1"/>
+          <p:nvPr/>
+        </p:nvSpPr>
+        <p:spPr>
+          <a:xfrm>
+            <a:off x="963969" y="2136753"/>
+            <a:ext cx="10800000" cy="540000"/>
+          </a:xfrm>
+          <a:prstGeom prst="rect">
+            <a:avLst/>
+          </a:prstGeom>
+          <a:noFill/>
+        </p:spPr>
+        <p:txBody>
+          <a:bodyPr wrap="square" rtlCol="0">
+            <a:spAutoFit/>
+          </a:bodyPr>
+          <a:lstStyle/>
+          <a:p>
+            <a:pPr algn="ctr"/>
+            <a:r>
+              <a:rPr kumimoji="1" lang="ja-JP" altLang="en-US" sz="2800" b="1" dirty="0">
+                <a:solidFill>
+                  <a:schemeClr val="bg1"/>
+                </a:solidFill>
+              </a:rPr>
+              <a:t>足元を確かめながら、静かに進んでみよう。</a:t>
+            </a:r>
+          </a:p>
+        </p:txBody>
+      </p:sp>
+      <p:sp>
+        <p:nvSpPr>
+          <p:cNvPr id="21" name="正方形/長方形 20">
+            <a:extLst>
+              <a:ext uri="{FF2B5EF4-FFF2-40B4-BE49-F238E27FC236}">
+                <a16:creationId xmlns:a16="http://schemas.microsoft.com/office/drawing/2014/main" id="{D1D906FE-A78A-3EC2-51E6-B65FC0C2E19E}"/>
+              </a:ext>
+            </a:extLst>
+          </p:cNvPr>
+          <p:cNvSpPr/>
+          <p:nvPr/>
+        </p:nvSpPr>
+        <p:spPr>
+          <a:xfrm>
+            <a:off x="-416689" y="2721064"/>
+            <a:ext cx="13345610" cy="136869"/>
+          </a:xfrm>
+          <a:prstGeom prst="rect">
+            <a:avLst/>
+          </a:prstGeom>
+        </p:spPr>
+        <p:style>
+          <a:lnRef idx="2">
+            <a:schemeClr val="accent1">
+              <a:shade val="15000"/>
+            </a:schemeClr>
+          </a:lnRef>
+          <a:fillRef idx="1">
+            <a:schemeClr val="accent1"/>
+          </a:fillRef>
+          <a:effectRef idx="0">
+            <a:schemeClr val="accent1"/>
+          </a:effectRef>
+          <a:fontRef idx="minor">
+            <a:schemeClr val="lt1"/>
+          </a:fontRef>
+        </p:style>
+        <p:txBody>
+          <a:bodyPr rtlCol="0" anchor="ctr"/>
+          <a:lstStyle/>
+          <a:p>
+            <a:pPr algn="ctr"/>
+            <a:endParaRPr kumimoji="1" lang="ja-JP" altLang="en-US"/>
+          </a:p>
+        </p:txBody>
+      </p:sp>
+      <p:sp>
+        <p:nvSpPr>
+          <p:cNvPr id="22" name="テキスト ボックス 21">
+            <a:extLst>
+              <a:ext uri="{FF2B5EF4-FFF2-40B4-BE49-F238E27FC236}">
+                <a16:creationId xmlns:a16="http://schemas.microsoft.com/office/drawing/2014/main" id="{D48EA5E2-1127-4677-9D9E-8B752F23A1E9}"/>
+              </a:ext>
+            </a:extLst>
+          </p:cNvPr>
+          <p:cNvSpPr txBox="1"/>
+          <p:nvPr/>
+        </p:nvSpPr>
+        <p:spPr>
+          <a:xfrm>
+            <a:off x="815427" y="2999397"/>
+            <a:ext cx="10800000" cy="540000"/>
+          </a:xfrm>
+          <a:prstGeom prst="rect">
+            <a:avLst/>
+          </a:prstGeom>
+          <a:noFill/>
+        </p:spPr>
+        <p:txBody>
+          <a:bodyPr wrap="square" rtlCol="0">
+            <a:spAutoFit/>
+          </a:bodyPr>
+          <a:lstStyle/>
+          <a:p>
+            <a:pPr algn="ctr"/>
+            <a:r>
+              <a:rPr kumimoji="1" lang="ja-JP" altLang="en-US" sz="2800" b="1" dirty="0">
+                <a:solidFill>
+                  <a:schemeClr val="bg1"/>
+                </a:solidFill>
+              </a:rPr>
+              <a:t>段差が見える。</a:t>
+            </a:r>
+          </a:p>
+        </p:txBody>
+      </p:sp>
+      <p:sp>
+        <p:nvSpPr>
+          <p:cNvPr id="23" name="テキスト ボックス 22">
+            <a:extLst>
+              <a:ext uri="{FF2B5EF4-FFF2-40B4-BE49-F238E27FC236}">
+                <a16:creationId xmlns:a16="http://schemas.microsoft.com/office/drawing/2014/main" id="{24DB8951-1BB4-7E99-173A-6A40AACF5F33}"/>
+              </a:ext>
+            </a:extLst>
+          </p:cNvPr>
+          <p:cNvSpPr txBox="1"/>
+          <p:nvPr/>
+        </p:nvSpPr>
+        <p:spPr>
+          <a:xfrm>
+            <a:off x="815427" y="3547730"/>
+            <a:ext cx="10800000" cy="540000"/>
+          </a:xfrm>
+          <a:prstGeom prst="rect">
+            <a:avLst/>
+          </a:prstGeom>
+          <a:noFill/>
+        </p:spPr>
+        <p:txBody>
+          <a:bodyPr wrap="square" rtlCol="0">
+            <a:spAutoFit/>
+          </a:bodyPr>
+          <a:lstStyle/>
+          <a:p>
+            <a:pPr algn="ctr"/>
+            <a:r>
+              <a:rPr kumimoji="1" lang="ja-JP" altLang="en-US" sz="2800" b="1" dirty="0">
+                <a:solidFill>
+                  <a:schemeClr val="bg1"/>
+                </a:solidFill>
+              </a:rPr>
+              <a:t>ジャンプで乗り越えよう。</a:t>
+            </a:r>
+          </a:p>
+        </p:txBody>
+      </p:sp>
+      <p:sp>
+        <p:nvSpPr>
+          <p:cNvPr id="24" name="正方形/長方形 23">
+            <a:extLst>
+              <a:ext uri="{FF2B5EF4-FFF2-40B4-BE49-F238E27FC236}">
+                <a16:creationId xmlns:a16="http://schemas.microsoft.com/office/drawing/2014/main" id="{32FEF5D4-ED1C-912E-89ED-A97853BE7133}"/>
+              </a:ext>
+            </a:extLst>
+          </p:cNvPr>
+          <p:cNvSpPr/>
+          <p:nvPr/>
+        </p:nvSpPr>
+        <p:spPr>
+          <a:xfrm>
+            <a:off x="-457378" y="4196738"/>
+            <a:ext cx="13345610" cy="136869"/>
+          </a:xfrm>
+          <a:prstGeom prst="rect">
+            <a:avLst/>
+          </a:prstGeom>
+        </p:spPr>
+        <p:style>
+          <a:lnRef idx="2">
+            <a:schemeClr val="accent1">
+              <a:shade val="15000"/>
+            </a:schemeClr>
+          </a:lnRef>
+          <a:fillRef idx="1">
+            <a:schemeClr val="accent1"/>
+          </a:fillRef>
+          <a:effectRef idx="0">
+            <a:schemeClr val="accent1"/>
+          </a:effectRef>
+          <a:fontRef idx="minor">
+            <a:schemeClr val="lt1"/>
+          </a:fontRef>
+        </p:style>
+        <p:txBody>
+          <a:bodyPr rtlCol="0" anchor="ctr"/>
+          <a:lstStyle/>
+          <a:p>
+            <a:pPr algn="ctr"/>
+            <a:endParaRPr kumimoji="1" lang="ja-JP" altLang="en-US"/>
+          </a:p>
+        </p:txBody>
+      </p:sp>
+      <p:sp>
+        <p:nvSpPr>
+          <p:cNvPr id="25" name="テキスト ボックス 24">
+            <a:extLst>
+              <a:ext uri="{FF2B5EF4-FFF2-40B4-BE49-F238E27FC236}">
+                <a16:creationId xmlns:a16="http://schemas.microsoft.com/office/drawing/2014/main" id="{BADA4386-1A8E-37E5-6071-B055F5BC1573}"/>
+              </a:ext>
+            </a:extLst>
+          </p:cNvPr>
+          <p:cNvSpPr txBox="1"/>
+          <p:nvPr/>
+        </p:nvSpPr>
+        <p:spPr>
+          <a:xfrm>
+            <a:off x="815427" y="4451247"/>
+            <a:ext cx="10800000" cy="540000"/>
+          </a:xfrm>
+          <a:prstGeom prst="rect">
+            <a:avLst/>
+          </a:prstGeom>
+          <a:noFill/>
+        </p:spPr>
+        <p:txBody>
+          <a:bodyPr wrap="square" rtlCol="0">
+            <a:spAutoFit/>
+          </a:bodyPr>
+          <a:lstStyle/>
+          <a:p>
+            <a:pPr algn="ctr"/>
+            <a:r>
+              <a:rPr kumimoji="1" lang="ja-JP" altLang="en-US" sz="2800" b="1" dirty="0">
+                <a:solidFill>
+                  <a:schemeClr val="bg1"/>
+                </a:solidFill>
+              </a:rPr>
+              <a:t>最初のランプが見える。</a:t>
+            </a:r>
+          </a:p>
+        </p:txBody>
+      </p:sp>
+      <p:sp>
+        <p:nvSpPr>
+          <p:cNvPr id="26" name="テキスト ボックス 25">
+            <a:extLst>
+              <a:ext uri="{FF2B5EF4-FFF2-40B4-BE49-F238E27FC236}">
+                <a16:creationId xmlns:a16="http://schemas.microsoft.com/office/drawing/2014/main" id="{8FE2323A-F7E4-2CCD-8F98-3D6F0FC14E7C}"/>
+              </a:ext>
+            </a:extLst>
+          </p:cNvPr>
+          <p:cNvSpPr txBox="1"/>
+          <p:nvPr/>
+        </p:nvSpPr>
+        <p:spPr>
+          <a:xfrm>
+            <a:off x="815427" y="4999580"/>
+            <a:ext cx="10800000" cy="540000"/>
+          </a:xfrm>
+          <a:prstGeom prst="rect">
+            <a:avLst/>
+          </a:prstGeom>
+          <a:noFill/>
+        </p:spPr>
+        <p:txBody>
+          <a:bodyPr wrap="square" rtlCol="0">
+            <a:spAutoFit/>
+          </a:bodyPr>
+          <a:lstStyle/>
+          <a:p>
+            <a:pPr algn="ctr"/>
+            <a:r>
+              <a:rPr kumimoji="1" lang="ja-JP" altLang="en-US" sz="2800" b="1" dirty="0">
+                <a:solidFill>
+                  <a:schemeClr val="bg1"/>
+                </a:solidFill>
+              </a:rPr>
+              <a:t>近づいて灯してみよう。</a:t>
+            </a:r>
+          </a:p>
+        </p:txBody>
+      </p:sp>
+      <p:sp>
+        <p:nvSpPr>
+          <p:cNvPr id="27" name="テキスト ボックス 26">
+            <a:extLst>
+              <a:ext uri="{FF2B5EF4-FFF2-40B4-BE49-F238E27FC236}">
+                <a16:creationId xmlns:a16="http://schemas.microsoft.com/office/drawing/2014/main" id="{370C09EE-14C8-E4B0-992C-9E89C151B480}"/>
+              </a:ext>
+            </a:extLst>
+          </p:cNvPr>
+          <p:cNvSpPr txBox="1"/>
+          <p:nvPr/>
+        </p:nvSpPr>
+        <p:spPr>
+          <a:xfrm>
+            <a:off x="856116" y="5514006"/>
+            <a:ext cx="10800000" cy="540000"/>
+          </a:xfrm>
+          <a:prstGeom prst="rect">
+            <a:avLst/>
+          </a:prstGeom>
+          <a:noFill/>
+        </p:spPr>
+        <p:txBody>
+          <a:bodyPr wrap="square" rtlCol="0">
+            <a:spAutoFit/>
+          </a:bodyPr>
+          <a:lstStyle/>
+          <a:p>
+            <a:pPr algn="ctr"/>
+            <a:r>
+              <a:rPr kumimoji="1" lang="ja-JP" altLang="en-US" sz="2800" b="1" dirty="0">
+                <a:solidFill>
+                  <a:schemeClr val="bg1"/>
+                </a:solidFill>
+              </a:rPr>
+              <a:t>光が広がり、暗闇が少しだけ消えた。</a:t>
+            </a:r>
+          </a:p>
+        </p:txBody>
+      </p:sp>
+      <p:sp>
+        <p:nvSpPr>
+          <p:cNvPr id="28" name="テキスト ボックス 27">
+            <a:extLst>
+              <a:ext uri="{FF2B5EF4-FFF2-40B4-BE49-F238E27FC236}">
+                <a16:creationId xmlns:a16="http://schemas.microsoft.com/office/drawing/2014/main" id="{00CF3661-517C-91B7-EECB-6866CC4F9F21}"/>
+              </a:ext>
+            </a:extLst>
+          </p:cNvPr>
+          <p:cNvSpPr txBox="1"/>
+          <p:nvPr/>
+        </p:nvSpPr>
+        <p:spPr>
+          <a:xfrm>
+            <a:off x="856116" y="6171646"/>
+            <a:ext cx="10800000" cy="540000"/>
+          </a:xfrm>
+          <a:prstGeom prst="rect">
+            <a:avLst/>
+          </a:prstGeom>
+          <a:noFill/>
+        </p:spPr>
+        <p:txBody>
+          <a:bodyPr wrap="square" rtlCol="0">
+            <a:spAutoFit/>
+          </a:bodyPr>
+          <a:lstStyle/>
+          <a:p>
+            <a:pPr algn="ctr"/>
+            <a:r>
+              <a:rPr kumimoji="1" lang="ja-JP" altLang="en-US" sz="2800" b="1" dirty="0">
+                <a:solidFill>
+                  <a:schemeClr val="bg1"/>
+                </a:solidFill>
+              </a:rPr>
+              <a:t>他のランプも探そう。</a:t>
+            </a:r>
+          </a:p>
+        </p:txBody>
+      </p:sp>
+    </p:spTree>
+    <p:extLst>
+      <p:ext uri="{BB962C8B-B14F-4D97-AF65-F5344CB8AC3E}">
+        <p14:creationId xmlns:p14="http://schemas.microsoft.com/office/powerpoint/2010/main" val="1863278223"/>
+      </p:ext>
+    </p:extLst>
+  </p:cSld>
+  <p:clrMapOvr>
+    <a:masterClrMapping/>
+  </p:clrMapOvr>
+</p:sld>
+</file>
+
+<file path=ppt/slides/slide5.xml><?xml version="1.0" encoding="utf-8"?>
+<p:sld xmlns:a="http://schemas.openxmlformats.org/drawingml/2006/main" xmlns:r="http://schemas.openxmlformats.org/officeDocument/2006/relationships" xmlns:p="http://schemas.openxmlformats.org/presentationml/2006/main">
+  <p:cSld>
+    <p:spTree>
+      <p:nvGrpSpPr>
+        <p:cNvPr id="1" name="">
+          <a:extLst>
+            <a:ext uri="{FF2B5EF4-FFF2-40B4-BE49-F238E27FC236}">
+              <a16:creationId xmlns:a16="http://schemas.microsoft.com/office/drawing/2014/main" id="{63DCA0C9-67D4-65D7-0161-C2202AB371F1}"/>
+            </a:ext>
+          </a:extLst>
+        </p:cNvPr>
+        <p:cNvGrpSpPr/>
+        <p:nvPr/>
+      </p:nvGrpSpPr>
+      <p:grpSpPr>
+        <a:xfrm>
+          <a:off x="0" y="0"/>
+          <a:ext cx="0" cy="0"/>
+          <a:chOff x="0" y="0"/>
+          <a:chExt cx="0" cy="0"/>
+        </a:xfrm>
+      </p:grpSpPr>
+      <p:sp>
+        <p:nvSpPr>
+          <p:cNvPr id="14" name="正方形/長方形 13">
+            <a:extLst>
+              <a:ext uri="{FF2B5EF4-FFF2-40B4-BE49-F238E27FC236}">
+                <a16:creationId xmlns:a16="http://schemas.microsoft.com/office/drawing/2014/main" id="{5FCA0548-8BD8-D376-C026-CA470A0E2A55}"/>
+              </a:ext>
+            </a:extLst>
+          </p:cNvPr>
+          <p:cNvSpPr/>
+          <p:nvPr/>
+        </p:nvSpPr>
+        <p:spPr>
+          <a:xfrm>
+            <a:off x="0" y="12401"/>
+            <a:ext cx="12303889" cy="7025007"/>
+          </a:xfrm>
+          <a:prstGeom prst="rect">
+            <a:avLst/>
+          </a:prstGeom>
+        </p:spPr>
+        <p:style>
+          <a:lnRef idx="2">
+            <a:schemeClr val="accent1">
+              <a:shade val="15000"/>
+            </a:schemeClr>
+          </a:lnRef>
+          <a:fillRef idx="1">
+            <a:schemeClr val="accent1"/>
+          </a:fillRef>
+          <a:effectRef idx="0">
+            <a:schemeClr val="accent1"/>
+          </a:effectRef>
+          <a:fontRef idx="minor">
+            <a:schemeClr val="lt1"/>
+          </a:fontRef>
+        </p:style>
+        <p:txBody>
+          <a:bodyPr rtlCol="0" anchor="ctr"/>
+          <a:lstStyle/>
+          <a:p>
+            <a:pPr algn="ctr"/>
+            <a:endParaRPr kumimoji="1" lang="ja-JP" altLang="en-US"/>
+          </a:p>
+        </p:txBody>
+      </p:sp>
+      <p:sp>
+        <p:nvSpPr>
+          <p:cNvPr id="2" name="テキスト ボックス 1">
+            <a:extLst>
+              <a:ext uri="{FF2B5EF4-FFF2-40B4-BE49-F238E27FC236}">
+                <a16:creationId xmlns:a16="http://schemas.microsoft.com/office/drawing/2014/main" id="{9C43ACB1-4408-40EF-401D-78214703DE59}"/>
+              </a:ext>
+            </a:extLst>
+          </p:cNvPr>
+          <p:cNvSpPr txBox="1"/>
+          <p:nvPr/>
+        </p:nvSpPr>
+        <p:spPr>
+          <a:xfrm>
+            <a:off x="963969" y="524210"/>
+            <a:ext cx="10800000" cy="540000"/>
+          </a:xfrm>
+          <a:prstGeom prst="rect">
+            <a:avLst/>
+          </a:prstGeom>
+          <a:noFill/>
+        </p:spPr>
+        <p:txBody>
+          <a:bodyPr wrap="square" rtlCol="0">
+            <a:spAutoFit/>
+          </a:bodyPr>
+          <a:lstStyle/>
+          <a:p>
+            <a:pPr algn="ctr"/>
+            <a:r>
+              <a:rPr kumimoji="1" lang="ja-JP" altLang="en-US" sz="2800" b="1" dirty="0">
+                <a:solidFill>
+                  <a:schemeClr val="bg1"/>
+                </a:solidFill>
+              </a:rPr>
+              <a:t>登ってみよう。</a:t>
+            </a:r>
+          </a:p>
+        </p:txBody>
+      </p:sp>
+      <p:sp>
+        <p:nvSpPr>
+          <p:cNvPr id="7" name="テキスト ボックス 6">
+            <a:extLst>
+              <a:ext uri="{FF2B5EF4-FFF2-40B4-BE49-F238E27FC236}">
+                <a16:creationId xmlns:a16="http://schemas.microsoft.com/office/drawing/2014/main" id="{D6EF3C90-DB17-A0D1-4946-985ED96160DB}"/>
+              </a:ext>
+            </a:extLst>
+          </p:cNvPr>
+          <p:cNvSpPr txBox="1">
+            <a:spLocks/>
+          </p:cNvSpPr>
+          <p:nvPr/>
+        </p:nvSpPr>
+        <p:spPr>
+          <a:xfrm>
+            <a:off x="963969" y="0"/>
+            <a:ext cx="10800000" cy="540000"/>
+          </a:xfrm>
+          <a:prstGeom prst="rect">
+            <a:avLst/>
+          </a:prstGeom>
+          <a:noFill/>
+        </p:spPr>
+        <p:txBody>
+          <a:bodyPr wrap="square" rtlCol="0">
+            <a:spAutoFit/>
+          </a:bodyPr>
+          <a:lstStyle/>
+          <a:p>
+            <a:pPr algn="ctr"/>
+            <a:r>
+              <a:rPr kumimoji="1" lang="ja-JP" altLang="en-US" sz="2800" b="1" dirty="0">
+                <a:solidFill>
+                  <a:schemeClr val="bg1"/>
+                </a:solidFill>
+              </a:rPr>
+              <a:t>梯子が見える。</a:t>
+            </a:r>
+          </a:p>
+        </p:txBody>
+      </p:sp>
+      <p:sp>
+        <p:nvSpPr>
+          <p:cNvPr id="11" name="テキスト ボックス 10">
+            <a:extLst>
+              <a:ext uri="{FF2B5EF4-FFF2-40B4-BE49-F238E27FC236}">
+                <a16:creationId xmlns:a16="http://schemas.microsoft.com/office/drawing/2014/main" id="{7776B260-91C3-CF3C-8603-A20E8FFB49F5}"/>
+              </a:ext>
+            </a:extLst>
+          </p:cNvPr>
+          <p:cNvSpPr txBox="1"/>
+          <p:nvPr/>
+        </p:nvSpPr>
+        <p:spPr>
+          <a:xfrm>
+            <a:off x="963969" y="1334210"/>
+            <a:ext cx="10800000" cy="540000"/>
+          </a:xfrm>
+          <a:prstGeom prst="rect">
+            <a:avLst/>
+          </a:prstGeom>
+          <a:noFill/>
+        </p:spPr>
+        <p:txBody>
+          <a:bodyPr wrap="square" rtlCol="0">
+            <a:spAutoFit/>
+          </a:bodyPr>
+          <a:lstStyle/>
+          <a:p>
+            <a:pPr algn="ctr"/>
+            <a:r>
+              <a:rPr kumimoji="1" lang="ja-JP" altLang="en-US" sz="2800" b="1" dirty="0">
+                <a:solidFill>
+                  <a:schemeClr val="bg1"/>
+                </a:solidFill>
+              </a:rPr>
+              <a:t>ランプをすべて灯せば、この部屋に光が戻る。</a:t>
+            </a:r>
+          </a:p>
+        </p:txBody>
+      </p:sp>
+      <p:sp>
+        <p:nvSpPr>
+          <p:cNvPr id="3" name="正方形/長方形 2">
+            <a:extLst>
+              <a:ext uri="{FF2B5EF4-FFF2-40B4-BE49-F238E27FC236}">
+                <a16:creationId xmlns:a16="http://schemas.microsoft.com/office/drawing/2014/main" id="{102237DA-F4C8-CA83-D9EC-CCD6C640AEC3}"/>
+              </a:ext>
+            </a:extLst>
+          </p:cNvPr>
+          <p:cNvSpPr/>
+          <p:nvPr/>
+        </p:nvSpPr>
+        <p:spPr>
+          <a:xfrm>
+            <a:off x="-576805" y="1064210"/>
+            <a:ext cx="13345610" cy="136869"/>
+          </a:xfrm>
+          <a:prstGeom prst="rect">
+            <a:avLst/>
+          </a:prstGeom>
+        </p:spPr>
+        <p:style>
+          <a:lnRef idx="2">
+            <a:schemeClr val="accent1">
+              <a:shade val="15000"/>
+            </a:schemeClr>
+          </a:lnRef>
+          <a:fillRef idx="1">
+            <a:schemeClr val="accent1"/>
+          </a:fillRef>
+          <a:effectRef idx="0">
+            <a:schemeClr val="accent1"/>
+          </a:effectRef>
+          <a:fontRef idx="minor">
+            <a:schemeClr val="lt1"/>
+          </a:fontRef>
+        </p:style>
+        <p:txBody>
+          <a:bodyPr rtlCol="0" anchor="ctr"/>
+          <a:lstStyle/>
+          <a:p>
+            <a:pPr algn="ctr"/>
+            <a:endParaRPr kumimoji="1" lang="ja-JP" altLang="en-US"/>
+          </a:p>
+        </p:txBody>
+      </p:sp>
+      <p:sp>
+        <p:nvSpPr>
+          <p:cNvPr id="4" name="テキスト ボックス 3">
+            <a:extLst>
+              <a:ext uri="{FF2B5EF4-FFF2-40B4-BE49-F238E27FC236}">
+                <a16:creationId xmlns:a16="http://schemas.microsoft.com/office/drawing/2014/main" id="{FD8D3ACC-CA9D-A538-BE3F-D49E51848F1A}"/>
+              </a:ext>
+            </a:extLst>
+          </p:cNvPr>
+          <p:cNvSpPr txBox="1"/>
+          <p:nvPr/>
+        </p:nvSpPr>
+        <p:spPr>
+          <a:xfrm>
+            <a:off x="963969" y="1874210"/>
+            <a:ext cx="10800000" cy="540000"/>
+          </a:xfrm>
+          <a:prstGeom prst="rect">
+            <a:avLst/>
+          </a:prstGeom>
+          <a:noFill/>
+        </p:spPr>
+        <p:txBody>
+          <a:bodyPr wrap="square" rtlCol="0">
+            <a:spAutoFit/>
+          </a:bodyPr>
+          <a:lstStyle/>
+          <a:p>
+            <a:pPr algn="ctr"/>
+            <a:r>
+              <a:rPr kumimoji="1" lang="ja-JP" altLang="en-US" sz="2800" b="1" dirty="0">
+                <a:solidFill>
+                  <a:schemeClr val="bg1"/>
+                </a:solidFill>
+              </a:rPr>
+              <a:t>ここからは自由に探索してみよう。</a:t>
+            </a:r>
+          </a:p>
+        </p:txBody>
+      </p:sp>
+      <p:sp>
+        <p:nvSpPr>
+          <p:cNvPr id="5" name="正方形/長方形 4">
+            <a:extLst>
+              <a:ext uri="{FF2B5EF4-FFF2-40B4-BE49-F238E27FC236}">
+                <a16:creationId xmlns:a16="http://schemas.microsoft.com/office/drawing/2014/main" id="{39F06695-9147-6CBC-BC50-9EE85F55E48A}"/>
+              </a:ext>
+            </a:extLst>
+          </p:cNvPr>
+          <p:cNvSpPr/>
+          <p:nvPr/>
+        </p:nvSpPr>
+        <p:spPr>
+          <a:xfrm>
+            <a:off x="-713772" y="2675020"/>
+            <a:ext cx="13345610" cy="136869"/>
+          </a:xfrm>
+          <a:prstGeom prst="rect">
+            <a:avLst/>
+          </a:prstGeom>
+        </p:spPr>
+        <p:style>
+          <a:lnRef idx="2">
+            <a:schemeClr val="accent1">
+              <a:shade val="15000"/>
+            </a:schemeClr>
+          </a:lnRef>
+          <a:fillRef idx="1">
+            <a:schemeClr val="accent1"/>
+          </a:fillRef>
+          <a:effectRef idx="0">
+            <a:schemeClr val="accent1"/>
+          </a:effectRef>
+          <a:fontRef idx="minor">
+            <a:schemeClr val="lt1"/>
+          </a:fontRef>
+        </p:style>
+        <p:txBody>
+          <a:bodyPr rtlCol="0" anchor="ctr"/>
+          <a:lstStyle/>
+          <a:p>
+            <a:pPr algn="ctr"/>
+            <a:endParaRPr kumimoji="1" lang="ja-JP" altLang="en-US"/>
+          </a:p>
+        </p:txBody>
+      </p:sp>
+      <p:sp>
+        <p:nvSpPr>
+          <p:cNvPr id="6" name="テキスト ボックス 5">
+            <a:extLst>
+              <a:ext uri="{FF2B5EF4-FFF2-40B4-BE49-F238E27FC236}">
+                <a16:creationId xmlns:a16="http://schemas.microsoft.com/office/drawing/2014/main" id="{E01DCBD2-F658-015E-40B8-B15A757A6CDE}"/>
+              </a:ext>
+            </a:extLst>
+          </p:cNvPr>
+          <p:cNvSpPr txBox="1"/>
+          <p:nvPr/>
+        </p:nvSpPr>
+        <p:spPr>
+          <a:xfrm>
+            <a:off x="1081645" y="2945020"/>
+            <a:ext cx="10800000" cy="540000"/>
+          </a:xfrm>
+          <a:prstGeom prst="rect">
+            <a:avLst/>
+          </a:prstGeom>
+          <a:noFill/>
+        </p:spPr>
+        <p:txBody>
+          <a:bodyPr wrap="square" rtlCol="0">
+            <a:spAutoFit/>
+          </a:bodyPr>
+          <a:lstStyle/>
+          <a:p>
+            <a:pPr algn="ctr"/>
+            <a:r>
+              <a:rPr kumimoji="1" lang="ja-JP" altLang="en-US" sz="2800" b="1" dirty="0">
+                <a:solidFill>
+                  <a:schemeClr val="bg1"/>
+                </a:solidFill>
+              </a:rPr>
+              <a:t>ここには壁があって進めない。</a:t>
+            </a:r>
+          </a:p>
+        </p:txBody>
+      </p:sp>
+      <p:sp>
+        <p:nvSpPr>
+          <p:cNvPr id="8" name="テキスト ボックス 7">
+            <a:extLst>
+              <a:ext uri="{FF2B5EF4-FFF2-40B4-BE49-F238E27FC236}">
+                <a16:creationId xmlns:a16="http://schemas.microsoft.com/office/drawing/2014/main" id="{5E65734B-69D1-C28E-1CF1-1FC0E14F9A12}"/>
+              </a:ext>
+            </a:extLst>
+          </p:cNvPr>
+          <p:cNvSpPr txBox="1"/>
+          <p:nvPr/>
+        </p:nvSpPr>
+        <p:spPr>
+          <a:xfrm>
+            <a:off x="1081645" y="3506112"/>
+            <a:ext cx="10800000" cy="540000"/>
+          </a:xfrm>
+          <a:prstGeom prst="rect">
+            <a:avLst/>
+          </a:prstGeom>
+          <a:noFill/>
+        </p:spPr>
+        <p:txBody>
+          <a:bodyPr wrap="square" rtlCol="0">
+            <a:spAutoFit/>
+          </a:bodyPr>
+          <a:lstStyle/>
+          <a:p>
+            <a:pPr algn="ctr"/>
+            <a:r>
+              <a:rPr kumimoji="1" lang="ja-JP" altLang="en-US" sz="2800" b="1" dirty="0">
+                <a:solidFill>
+                  <a:schemeClr val="bg1"/>
+                </a:solidFill>
+              </a:rPr>
+              <a:t>ほかの場所を探索してみよう。</a:t>
+            </a:r>
+          </a:p>
+        </p:txBody>
+      </p:sp>
+      <p:sp>
+        <p:nvSpPr>
+          <p:cNvPr id="9" name="正方形/長方形 8">
+            <a:extLst>
+              <a:ext uri="{FF2B5EF4-FFF2-40B4-BE49-F238E27FC236}">
+                <a16:creationId xmlns:a16="http://schemas.microsoft.com/office/drawing/2014/main" id="{33FCA8D1-8C52-07BF-8BE7-651C34592984}"/>
+              </a:ext>
+            </a:extLst>
+          </p:cNvPr>
+          <p:cNvSpPr/>
+          <p:nvPr/>
+        </p:nvSpPr>
+        <p:spPr>
+          <a:xfrm>
+            <a:off x="-989635" y="4217395"/>
+            <a:ext cx="13345610" cy="136869"/>
+          </a:xfrm>
+          <a:prstGeom prst="rect">
+            <a:avLst/>
+          </a:prstGeom>
+        </p:spPr>
+        <p:style>
+          <a:lnRef idx="2">
+            <a:schemeClr val="accent1">
+              <a:shade val="15000"/>
+            </a:schemeClr>
+          </a:lnRef>
+          <a:fillRef idx="1">
+            <a:schemeClr val="accent1"/>
+          </a:fillRef>
+          <a:effectRef idx="0">
+            <a:schemeClr val="accent1"/>
+          </a:effectRef>
+          <a:fontRef idx="minor">
+            <a:schemeClr val="lt1"/>
+          </a:fontRef>
+        </p:style>
+        <p:txBody>
+          <a:bodyPr rtlCol="0" anchor="ctr"/>
+          <a:lstStyle/>
+          <a:p>
+            <a:pPr algn="ctr"/>
+            <a:endParaRPr kumimoji="1" lang="ja-JP" altLang="en-US"/>
+          </a:p>
+        </p:txBody>
+      </p:sp>
+      <p:sp>
+        <p:nvSpPr>
+          <p:cNvPr id="10" name="テキスト ボックス 9">
+            <a:extLst>
+              <a:ext uri="{FF2B5EF4-FFF2-40B4-BE49-F238E27FC236}">
+                <a16:creationId xmlns:a16="http://schemas.microsoft.com/office/drawing/2014/main" id="{067AFCF7-83D6-6B50-5CC7-DFD6F5D49093}"/>
+              </a:ext>
+            </a:extLst>
+          </p:cNvPr>
+          <p:cNvSpPr txBox="1"/>
+          <p:nvPr/>
+        </p:nvSpPr>
+        <p:spPr>
+          <a:xfrm>
+            <a:off x="963969" y="4525547"/>
+            <a:ext cx="10800000" cy="540000"/>
+          </a:xfrm>
+          <a:prstGeom prst="rect">
+            <a:avLst/>
+          </a:prstGeom>
+          <a:noFill/>
+        </p:spPr>
+        <p:txBody>
+          <a:bodyPr wrap="square" rtlCol="0">
+            <a:spAutoFit/>
+          </a:bodyPr>
+          <a:lstStyle/>
+          <a:p>
+            <a:pPr algn="ctr"/>
+            <a:r>
+              <a:rPr kumimoji="1" lang="ja-JP" altLang="en-US" sz="2800" b="1" dirty="0">
+                <a:solidFill>
+                  <a:schemeClr val="bg1"/>
+                </a:solidFill>
+              </a:rPr>
+              <a:t>ソーラーパネルがある。</a:t>
+            </a:r>
+          </a:p>
+        </p:txBody>
+      </p:sp>
+      <p:sp>
+        <p:nvSpPr>
+          <p:cNvPr id="12" name="テキスト ボックス 11">
+            <a:extLst>
+              <a:ext uri="{FF2B5EF4-FFF2-40B4-BE49-F238E27FC236}">
+                <a16:creationId xmlns:a16="http://schemas.microsoft.com/office/drawing/2014/main" id="{9D44362E-3BA9-3E46-E83F-6FA1EA0EA0EB}"/>
+              </a:ext>
+            </a:extLst>
+          </p:cNvPr>
+          <p:cNvSpPr txBox="1"/>
+          <p:nvPr/>
+        </p:nvSpPr>
+        <p:spPr>
+          <a:xfrm>
+            <a:off x="963969" y="5023587"/>
+            <a:ext cx="10800000" cy="540000"/>
+          </a:xfrm>
+          <a:prstGeom prst="rect">
+            <a:avLst/>
+          </a:prstGeom>
+          <a:noFill/>
+        </p:spPr>
+        <p:txBody>
+          <a:bodyPr wrap="square" rtlCol="0">
+            <a:spAutoFit/>
+          </a:bodyPr>
+          <a:lstStyle/>
+          <a:p>
+            <a:pPr algn="ctr"/>
+            <a:r>
+              <a:rPr kumimoji="1" lang="ja-JP" altLang="en-US" sz="2800" b="1" dirty="0">
+                <a:solidFill>
+                  <a:schemeClr val="bg1"/>
+                </a:solidFill>
+              </a:rPr>
+              <a:t>これに光を当てている間だけ消えるブロックがあるみたい。</a:t>
+            </a:r>
+          </a:p>
+        </p:txBody>
+      </p:sp>
+    </p:spTree>
+    <p:extLst>
+      <p:ext uri="{BB962C8B-B14F-4D97-AF65-F5344CB8AC3E}">
+        <p14:creationId xmlns:p14="http://schemas.microsoft.com/office/powerpoint/2010/main" val="898606876"/>
+      </p:ext>
+    </p:extLst>
+  </p:cSld>
+  <p:clrMapOvr>
+    <a:masterClrMapping/>
+  </p:clrMapOvr>
+</p:sld>
+</file>
+
+<file path=ppt/slides/slide6.xml><?xml version="1.0" encoding="utf-8"?>
+<p:sld xmlns:a="http://schemas.openxmlformats.org/drawingml/2006/main" xmlns:r="http://schemas.openxmlformats.org/officeDocument/2006/relationships" xmlns:p="http://schemas.openxmlformats.org/presentationml/2006/main">
+  <p:cSld>
+    <p:spTree>
+      <p:nvGrpSpPr>
+        <p:cNvPr id="1" name="">
+          <a:extLst>
+            <a:ext uri="{FF2B5EF4-FFF2-40B4-BE49-F238E27FC236}">
+              <a16:creationId xmlns:a16="http://schemas.microsoft.com/office/drawing/2014/main" id="{B918DF89-78CC-D90D-E545-6CEF7D57E2F1}"/>
+            </a:ext>
+          </a:extLst>
+        </p:cNvPr>
+        <p:cNvGrpSpPr/>
+        <p:nvPr/>
+      </p:nvGrpSpPr>
+      <p:grpSpPr>
+        <a:xfrm>
+          <a:off x="0" y="0"/>
+          <a:ext cx="0" cy="0"/>
+          <a:chOff x="0" y="0"/>
+          <a:chExt cx="0" cy="0"/>
+        </a:xfrm>
+      </p:grpSpPr>
+      <p:sp>
+        <p:nvSpPr>
+          <p:cNvPr id="15" name="正方形/長方形 14">
+            <a:extLst>
+              <a:ext uri="{FF2B5EF4-FFF2-40B4-BE49-F238E27FC236}">
+                <a16:creationId xmlns:a16="http://schemas.microsoft.com/office/drawing/2014/main" id="{09A44AD1-1139-B6FE-7D68-5BAA007AFF4B}"/>
+              </a:ext>
+            </a:extLst>
+          </p:cNvPr>
+          <p:cNvSpPr/>
+          <p:nvPr/>
+        </p:nvSpPr>
+        <p:spPr>
+          <a:xfrm>
+            <a:off x="0" y="12401"/>
+            <a:ext cx="12303889" cy="7025007"/>
+          </a:xfrm>
+          <a:prstGeom prst="rect">
+            <a:avLst/>
+          </a:prstGeom>
+        </p:spPr>
+        <p:style>
+          <a:lnRef idx="2">
+            <a:schemeClr val="accent1">
+              <a:shade val="15000"/>
+            </a:schemeClr>
+          </a:lnRef>
+          <a:fillRef idx="1">
+            <a:schemeClr val="accent1"/>
+          </a:fillRef>
+          <a:effectRef idx="0">
+            <a:schemeClr val="accent1"/>
+          </a:effectRef>
+          <a:fontRef idx="minor">
+            <a:schemeClr val="lt1"/>
+          </a:fontRef>
+        </p:style>
+        <p:txBody>
+          <a:bodyPr rtlCol="0" anchor="ctr"/>
+          <a:lstStyle/>
+          <a:p>
+            <a:pPr algn="ctr"/>
+            <a:endParaRPr kumimoji="1" lang="ja-JP" altLang="en-US"/>
+          </a:p>
+        </p:txBody>
+      </p:sp>
+      <p:sp>
+        <p:nvSpPr>
+          <p:cNvPr id="2" name="テキスト ボックス 1">
+            <a:extLst>
+              <a:ext uri="{FF2B5EF4-FFF2-40B4-BE49-F238E27FC236}">
+                <a16:creationId xmlns:a16="http://schemas.microsoft.com/office/drawing/2014/main" id="{B5A2EE06-F2EF-37A5-6246-CFC8C340CFD8}"/>
+              </a:ext>
+            </a:extLst>
+          </p:cNvPr>
+          <p:cNvSpPr txBox="1"/>
+          <p:nvPr/>
+        </p:nvSpPr>
+        <p:spPr>
+          <a:xfrm>
+            <a:off x="963969" y="524210"/>
+            <a:ext cx="10800000" cy="540000"/>
+          </a:xfrm>
+          <a:prstGeom prst="rect">
+            <a:avLst/>
+          </a:prstGeom>
+          <a:noFill/>
+        </p:spPr>
+        <p:txBody>
+          <a:bodyPr wrap="square" rtlCol="0">
+            <a:spAutoFit/>
+          </a:bodyPr>
+          <a:lstStyle/>
+          <a:p>
+            <a:pPr algn="ctr"/>
+            <a:r>
+              <a:rPr kumimoji="1" lang="ja-JP" altLang="en-US" sz="2800" b="1" dirty="0">
+                <a:solidFill>
+                  <a:schemeClr val="bg1"/>
+                </a:solidFill>
+              </a:rPr>
+              <a:t>これに光を当てると光りだすみたい。</a:t>
+            </a:r>
+          </a:p>
+        </p:txBody>
+      </p:sp>
+      <p:sp>
+        <p:nvSpPr>
+          <p:cNvPr id="7" name="テキスト ボックス 6">
+            <a:extLst>
+              <a:ext uri="{FF2B5EF4-FFF2-40B4-BE49-F238E27FC236}">
+                <a16:creationId xmlns:a16="http://schemas.microsoft.com/office/drawing/2014/main" id="{9CF8502D-28C8-3108-964C-25CC282F6856}"/>
+              </a:ext>
+            </a:extLst>
+          </p:cNvPr>
+          <p:cNvSpPr txBox="1"/>
+          <p:nvPr/>
+        </p:nvSpPr>
+        <p:spPr>
+          <a:xfrm>
+            <a:off x="963969" y="0"/>
+            <a:ext cx="10800000" cy="540000"/>
+          </a:xfrm>
+          <a:prstGeom prst="rect">
+            <a:avLst/>
+          </a:prstGeom>
+          <a:noFill/>
+        </p:spPr>
+        <p:txBody>
+          <a:bodyPr wrap="square" rtlCol="0">
+            <a:spAutoFit/>
+          </a:bodyPr>
+          <a:lstStyle/>
+          <a:p>
+            <a:pPr algn="ctr"/>
+            <a:r>
+              <a:rPr kumimoji="1" lang="ja-JP" altLang="en-US" sz="2800" b="1" dirty="0">
+                <a:solidFill>
+                  <a:schemeClr val="bg1"/>
+                </a:solidFill>
+              </a:rPr>
+              <a:t>蓄光フィギュアがある。</a:t>
+            </a:r>
+          </a:p>
+        </p:txBody>
+      </p:sp>
+      <p:sp>
+        <p:nvSpPr>
+          <p:cNvPr id="3" name="正方形/長方形 2">
+            <a:extLst>
+              <a:ext uri="{FF2B5EF4-FFF2-40B4-BE49-F238E27FC236}">
+                <a16:creationId xmlns:a16="http://schemas.microsoft.com/office/drawing/2014/main" id="{23B466E0-0546-C81D-8660-9CEC6321C015}"/>
+              </a:ext>
+            </a:extLst>
+          </p:cNvPr>
+          <p:cNvSpPr/>
+          <p:nvPr/>
+        </p:nvSpPr>
+        <p:spPr>
+          <a:xfrm>
+            <a:off x="-576805" y="1064210"/>
+            <a:ext cx="13345610" cy="136869"/>
+          </a:xfrm>
+          <a:prstGeom prst="rect">
+            <a:avLst/>
+          </a:prstGeom>
+        </p:spPr>
+        <p:style>
+          <a:lnRef idx="2">
+            <a:schemeClr val="accent1">
+              <a:shade val="15000"/>
+            </a:schemeClr>
+          </a:lnRef>
+          <a:fillRef idx="1">
+            <a:schemeClr val="accent1"/>
+          </a:fillRef>
+          <a:effectRef idx="0">
+            <a:schemeClr val="accent1"/>
+          </a:effectRef>
+          <a:fontRef idx="minor">
+            <a:schemeClr val="lt1"/>
+          </a:fontRef>
+        </p:style>
+        <p:txBody>
+          <a:bodyPr rtlCol="0" anchor="ctr"/>
+          <a:lstStyle/>
+          <a:p>
+            <a:pPr algn="ctr"/>
+            <a:endParaRPr kumimoji="1" lang="ja-JP" altLang="en-US"/>
+          </a:p>
+        </p:txBody>
+      </p:sp>
+      <p:sp>
+        <p:nvSpPr>
+          <p:cNvPr id="13" name="テキスト ボックス 12">
+            <a:extLst>
+              <a:ext uri="{FF2B5EF4-FFF2-40B4-BE49-F238E27FC236}">
+                <a16:creationId xmlns:a16="http://schemas.microsoft.com/office/drawing/2014/main" id="{12DECF62-3365-8B37-85A9-6CE9C868E886}"/>
+              </a:ext>
+            </a:extLst>
+          </p:cNvPr>
+          <p:cNvSpPr txBox="1"/>
+          <p:nvPr/>
+        </p:nvSpPr>
+        <p:spPr>
+          <a:xfrm>
+            <a:off x="696000" y="1979499"/>
+            <a:ext cx="10800000" cy="540000"/>
+          </a:xfrm>
+          <a:prstGeom prst="rect">
+            <a:avLst/>
+          </a:prstGeom>
+          <a:noFill/>
+        </p:spPr>
+        <p:txBody>
+          <a:bodyPr wrap="square" rtlCol="0">
+            <a:spAutoFit/>
+          </a:bodyPr>
+          <a:lstStyle/>
+          <a:p>
+            <a:pPr algn="ctr"/>
+            <a:r>
+              <a:rPr kumimoji="1" lang="ja-JP" altLang="en-US" sz="2800" b="1" dirty="0">
+                <a:solidFill>
+                  <a:schemeClr val="bg1"/>
+                </a:solidFill>
+              </a:rPr>
+              <a:t>次の部屋へ進もう。</a:t>
+            </a:r>
+          </a:p>
+        </p:txBody>
+      </p:sp>
+      <p:sp>
+        <p:nvSpPr>
+          <p:cNvPr id="14" name="テキスト ボックス 13">
+            <a:extLst>
+              <a:ext uri="{FF2B5EF4-FFF2-40B4-BE49-F238E27FC236}">
+                <a16:creationId xmlns:a16="http://schemas.microsoft.com/office/drawing/2014/main" id="{199A6B8E-0C4C-995D-AA09-71B00B9C7072}"/>
+              </a:ext>
+            </a:extLst>
+          </p:cNvPr>
+          <p:cNvSpPr txBox="1"/>
+          <p:nvPr/>
+        </p:nvSpPr>
+        <p:spPr>
+          <a:xfrm>
+            <a:off x="696000" y="1455289"/>
+            <a:ext cx="10800000" cy="540000"/>
+          </a:xfrm>
+          <a:prstGeom prst="rect">
+            <a:avLst/>
+          </a:prstGeom>
+          <a:noFill/>
+        </p:spPr>
+        <p:txBody>
+          <a:bodyPr wrap="square" rtlCol="0">
+            <a:spAutoFit/>
+          </a:bodyPr>
+          <a:lstStyle/>
+          <a:p>
+            <a:pPr algn="ctr"/>
+            <a:r>
+              <a:rPr kumimoji="1" lang="ja-JP" altLang="en-US" sz="2800" b="1" dirty="0">
+                <a:solidFill>
+                  <a:schemeClr val="bg1"/>
+                </a:solidFill>
+              </a:rPr>
+              <a:t>すべてのランプが灯り、部屋に光が広がった。</a:t>
+            </a:r>
+          </a:p>
+        </p:txBody>
+      </p:sp>
+      <p:sp>
+        <p:nvSpPr>
+          <p:cNvPr id="4" name="四角形: 角を丸くする 3">
+            <a:extLst>
+              <a:ext uri="{FF2B5EF4-FFF2-40B4-BE49-F238E27FC236}">
+                <a16:creationId xmlns:a16="http://schemas.microsoft.com/office/drawing/2014/main" id="{C6110D87-DE4D-F150-C592-6426B62B68D2}"/>
+              </a:ext>
+            </a:extLst>
+          </p:cNvPr>
+          <p:cNvSpPr/>
+          <p:nvPr/>
+        </p:nvSpPr>
+        <p:spPr>
+          <a:xfrm>
+            <a:off x="3319669" y="3165031"/>
+            <a:ext cx="1113183" cy="1083365"/>
+          </a:xfrm>
+          <a:prstGeom prst="roundRect">
+            <a:avLst/>
+          </a:prstGeom>
+          <a:ln>
+            <a:solidFill>
+              <a:schemeClr val="bg1"/>
+            </a:solidFill>
+          </a:ln>
+        </p:spPr>
+        <p:style>
+          <a:lnRef idx="2">
+            <a:schemeClr val="accent1">
+              <a:shade val="15000"/>
+            </a:schemeClr>
+          </a:lnRef>
+          <a:fillRef idx="1">
+            <a:schemeClr val="accent1"/>
+          </a:fillRef>
+          <a:effectRef idx="0">
+            <a:schemeClr val="accent1"/>
+          </a:effectRef>
+          <a:fontRef idx="minor">
+            <a:schemeClr val="lt1"/>
+          </a:fontRef>
+        </p:style>
+        <p:txBody>
+          <a:bodyPr rtlCol="0" anchor="ctr"/>
+          <a:lstStyle/>
+          <a:p>
+            <a:pPr algn="ctr"/>
+            <a:r>
+              <a:rPr kumimoji="1" lang="en-US" altLang="ja-JP" sz="4400" b="1" dirty="0"/>
+              <a:t>B</a:t>
+            </a:r>
+            <a:endParaRPr kumimoji="1" lang="ja-JP" altLang="en-US" sz="4400" b="1" dirty="0"/>
+          </a:p>
+        </p:txBody>
+      </p:sp>
+      <p:sp>
+        <p:nvSpPr>
+          <p:cNvPr id="6" name="四角形: 角を丸くする 5">
+            <a:extLst>
+              <a:ext uri="{FF2B5EF4-FFF2-40B4-BE49-F238E27FC236}">
+                <a16:creationId xmlns:a16="http://schemas.microsoft.com/office/drawing/2014/main" id="{0213B1FD-64A1-4E25-7B31-4DD437D62A99}"/>
+              </a:ext>
+            </a:extLst>
+          </p:cNvPr>
+          <p:cNvSpPr/>
+          <p:nvPr/>
+        </p:nvSpPr>
+        <p:spPr>
+          <a:xfrm>
+            <a:off x="5807377" y="3153406"/>
+            <a:ext cx="1113183" cy="1083365"/>
+          </a:xfrm>
+          <a:prstGeom prst="roundRect">
+            <a:avLst/>
+          </a:prstGeom>
+          <a:ln>
+            <a:solidFill>
+              <a:schemeClr val="bg1"/>
+            </a:solidFill>
+          </a:ln>
+        </p:spPr>
+        <p:style>
+          <a:lnRef idx="2">
+            <a:schemeClr val="accent1">
+              <a:shade val="15000"/>
+            </a:schemeClr>
+          </a:lnRef>
+          <a:fillRef idx="1">
+            <a:schemeClr val="accent1"/>
+          </a:fillRef>
+          <a:effectRef idx="0">
+            <a:schemeClr val="accent1"/>
+          </a:effectRef>
+          <a:fontRef idx="minor">
+            <a:schemeClr val="lt1"/>
+          </a:fontRef>
+        </p:style>
+        <p:txBody>
+          <a:bodyPr rtlCol="0" anchor="ctr"/>
+          <a:lstStyle/>
+          <a:p>
+            <a:pPr algn="ctr"/>
+            <a:r>
+              <a:rPr kumimoji="1" lang="ja-JP" altLang="en-US" sz="4400" b="1" dirty="0"/>
+              <a:t>↔</a:t>
+            </a:r>
+          </a:p>
+        </p:txBody>
+      </p:sp>
+      <p:sp>
+        <p:nvSpPr>
+          <p:cNvPr id="9" name="四角形: 角を丸くする 8">
+            <a:extLst>
+              <a:ext uri="{FF2B5EF4-FFF2-40B4-BE49-F238E27FC236}">
+                <a16:creationId xmlns:a16="http://schemas.microsoft.com/office/drawing/2014/main" id="{DB6CC77A-1024-8DD9-3286-3042DDFB2B46}"/>
+              </a:ext>
+            </a:extLst>
+          </p:cNvPr>
+          <p:cNvSpPr/>
+          <p:nvPr/>
+        </p:nvSpPr>
+        <p:spPr>
+          <a:xfrm>
+            <a:off x="7255187" y="3165031"/>
+            <a:ext cx="1113183" cy="1083365"/>
+          </a:xfrm>
+          <a:prstGeom prst="roundRect">
+            <a:avLst/>
+          </a:prstGeom>
+          <a:ln>
+            <a:solidFill>
+              <a:schemeClr val="bg1"/>
+            </a:solidFill>
+          </a:ln>
+        </p:spPr>
+        <p:style>
+          <a:lnRef idx="2">
+            <a:schemeClr val="accent1">
+              <a:shade val="15000"/>
+            </a:schemeClr>
+          </a:lnRef>
+          <a:fillRef idx="1">
+            <a:schemeClr val="accent1"/>
+          </a:fillRef>
+          <a:effectRef idx="0">
+            <a:schemeClr val="accent1"/>
+          </a:effectRef>
+          <a:fontRef idx="minor">
+            <a:schemeClr val="lt1"/>
+          </a:fontRef>
+        </p:style>
+        <p:txBody>
+          <a:bodyPr rtlCol="0" anchor="ctr"/>
+          <a:lstStyle/>
+          <a:p>
+            <a:pPr algn="ctr"/>
+            <a:r>
+              <a:rPr lang="en-US" altLang="ja-JP" sz="4400" b="1" dirty="0"/>
+              <a:t>A</a:t>
+            </a:r>
+            <a:endParaRPr kumimoji="1" lang="ja-JP" altLang="en-US" sz="4400" b="1" dirty="0"/>
+          </a:p>
+        </p:txBody>
+      </p:sp>
+      <p:sp>
+        <p:nvSpPr>
+          <p:cNvPr id="10" name="四角形: 角を丸くする 9">
+            <a:extLst>
+              <a:ext uri="{FF2B5EF4-FFF2-40B4-BE49-F238E27FC236}">
+                <a16:creationId xmlns:a16="http://schemas.microsoft.com/office/drawing/2014/main" id="{EBAEB76D-E24D-D2F8-9C55-81D8B89DF8D7}"/>
+              </a:ext>
+            </a:extLst>
+          </p:cNvPr>
+          <p:cNvSpPr/>
+          <p:nvPr/>
+        </p:nvSpPr>
+        <p:spPr>
+          <a:xfrm>
+            <a:off x="4526880" y="3165031"/>
+            <a:ext cx="1113183" cy="1083365"/>
+          </a:xfrm>
+          <a:prstGeom prst="roundRect">
+            <a:avLst/>
+          </a:prstGeom>
+          <a:ln>
+            <a:solidFill>
+              <a:schemeClr val="bg1"/>
+            </a:solidFill>
+          </a:ln>
+        </p:spPr>
+        <p:style>
+          <a:lnRef idx="2">
+            <a:schemeClr val="accent1">
+              <a:shade val="15000"/>
+            </a:schemeClr>
+          </a:lnRef>
+          <a:fillRef idx="1">
+            <a:schemeClr val="accent1"/>
+          </a:fillRef>
+          <a:effectRef idx="0">
+            <a:schemeClr val="accent1"/>
+          </a:effectRef>
+          <a:fontRef idx="minor">
+            <a:schemeClr val="lt1"/>
+          </a:fontRef>
+        </p:style>
+        <p:txBody>
+          <a:bodyPr rtlCol="0" anchor="ctr"/>
+          <a:lstStyle/>
+          <a:p>
+            <a:pPr algn="ctr"/>
+            <a:r>
+              <a:rPr kumimoji="1" lang="ja-JP" altLang="en-US" sz="4400" b="1" dirty="0"/>
+              <a:t>↑</a:t>
+            </a:r>
+          </a:p>
+        </p:txBody>
+      </p:sp>
+    </p:spTree>
+    <p:extLst>
+      <p:ext uri="{BB962C8B-B14F-4D97-AF65-F5344CB8AC3E}">
+        <p14:creationId xmlns:p14="http://schemas.microsoft.com/office/powerpoint/2010/main" val="3266766539"/>
+      </p:ext>
+    </p:extLst>
+  </p:cSld>
+  <p:clrMapOvr>
+    <a:masterClrMapping/>
+  </p:clrMapOvr>
+</p:sld>
+</file>
+
+<file path=ppt/slides/slide7.xml><?xml version="1.0" encoding="utf-8"?>
 <p:sld xmlns:a="http://schemas.openxmlformats.org/drawingml/2006/main" xmlns:r="http://schemas.openxmlformats.org/officeDocument/2006/relationships" xmlns:p="http://schemas.openxmlformats.org/presentationml/2006/main">
   <p:cSld>
     <p:spTree>

--- a/素材.pptx
+++ b/素材.pptx
@@ -265,7 +265,7 @@
           <a:p>
             <a:fld id="{9D2A0C2B-70AD-47E1-B89E-10E5CBCCD31E}" type="datetimeFigureOut">
               <a:rPr kumimoji="1" lang="ja-JP" altLang="en-US" smtClean="0"/>
-              <a:t>2024/12/16</a:t>
+              <a:t>2024/12/17</a:t>
             </a:fld>
             <a:endParaRPr kumimoji="1" lang="ja-JP" altLang="en-US"/>
           </a:p>
@@ -495,7 +495,7 @@
           <a:p>
             <a:fld id="{9D2A0C2B-70AD-47E1-B89E-10E5CBCCD31E}" type="datetimeFigureOut">
               <a:rPr kumimoji="1" lang="ja-JP" altLang="en-US" smtClean="0"/>
-              <a:t>2024/12/16</a:t>
+              <a:t>2024/12/17</a:t>
             </a:fld>
             <a:endParaRPr kumimoji="1" lang="ja-JP" altLang="en-US"/>
           </a:p>
@@ -735,7 +735,7 @@
           <a:p>
             <a:fld id="{9D2A0C2B-70AD-47E1-B89E-10E5CBCCD31E}" type="datetimeFigureOut">
               <a:rPr kumimoji="1" lang="ja-JP" altLang="en-US" smtClean="0"/>
-              <a:t>2024/12/16</a:t>
+              <a:t>2024/12/17</a:t>
             </a:fld>
             <a:endParaRPr kumimoji="1" lang="ja-JP" altLang="en-US"/>
           </a:p>
@@ -965,7 +965,7 @@
           <a:p>
             <a:fld id="{9D2A0C2B-70AD-47E1-B89E-10E5CBCCD31E}" type="datetimeFigureOut">
               <a:rPr kumimoji="1" lang="ja-JP" altLang="en-US" smtClean="0"/>
-              <a:t>2024/12/16</a:t>
+              <a:t>2024/12/17</a:t>
             </a:fld>
             <a:endParaRPr kumimoji="1" lang="ja-JP" altLang="en-US"/>
           </a:p>
@@ -1240,7 +1240,7 @@
           <a:p>
             <a:fld id="{9D2A0C2B-70AD-47E1-B89E-10E5CBCCD31E}" type="datetimeFigureOut">
               <a:rPr kumimoji="1" lang="ja-JP" altLang="en-US" smtClean="0"/>
-              <a:t>2024/12/16</a:t>
+              <a:t>2024/12/17</a:t>
             </a:fld>
             <a:endParaRPr kumimoji="1" lang="ja-JP" altLang="en-US"/>
           </a:p>
@@ -1569,7 +1569,7 @@
           <a:p>
             <a:fld id="{9D2A0C2B-70AD-47E1-B89E-10E5CBCCD31E}" type="datetimeFigureOut">
               <a:rPr kumimoji="1" lang="ja-JP" altLang="en-US" smtClean="0"/>
-              <a:t>2024/12/16</a:t>
+              <a:t>2024/12/17</a:t>
             </a:fld>
             <a:endParaRPr kumimoji="1" lang="ja-JP" altLang="en-US"/>
           </a:p>
@@ -2045,7 +2045,7 @@
           <a:p>
             <a:fld id="{9D2A0C2B-70AD-47E1-B89E-10E5CBCCD31E}" type="datetimeFigureOut">
               <a:rPr kumimoji="1" lang="ja-JP" altLang="en-US" smtClean="0"/>
-              <a:t>2024/12/16</a:t>
+              <a:t>2024/12/17</a:t>
             </a:fld>
             <a:endParaRPr kumimoji="1" lang="ja-JP" altLang="en-US"/>
           </a:p>
@@ -2186,7 +2186,7 @@
           <a:p>
             <a:fld id="{9D2A0C2B-70AD-47E1-B89E-10E5CBCCD31E}" type="datetimeFigureOut">
               <a:rPr kumimoji="1" lang="ja-JP" altLang="en-US" smtClean="0"/>
-              <a:t>2024/12/16</a:t>
+              <a:t>2024/12/17</a:t>
             </a:fld>
             <a:endParaRPr kumimoji="1" lang="ja-JP" altLang="en-US"/>
           </a:p>
@@ -2299,7 +2299,7 @@
           <a:p>
             <a:fld id="{9D2A0C2B-70AD-47E1-B89E-10E5CBCCD31E}" type="datetimeFigureOut">
               <a:rPr kumimoji="1" lang="ja-JP" altLang="en-US" smtClean="0"/>
-              <a:t>2024/12/16</a:t>
+              <a:t>2024/12/17</a:t>
             </a:fld>
             <a:endParaRPr kumimoji="1" lang="ja-JP" altLang="en-US"/>
           </a:p>
@@ -2642,7 +2642,7 @@
           <a:p>
             <a:fld id="{9D2A0C2B-70AD-47E1-B89E-10E5CBCCD31E}" type="datetimeFigureOut">
               <a:rPr kumimoji="1" lang="ja-JP" altLang="en-US" smtClean="0"/>
-              <a:t>2024/12/16</a:t>
+              <a:t>2024/12/17</a:t>
             </a:fld>
             <a:endParaRPr kumimoji="1" lang="ja-JP" altLang="en-US"/>
           </a:p>
@@ -2930,7 +2930,7 @@
           <a:p>
             <a:fld id="{9D2A0C2B-70AD-47E1-B89E-10E5CBCCD31E}" type="datetimeFigureOut">
               <a:rPr kumimoji="1" lang="ja-JP" altLang="en-US" smtClean="0"/>
-              <a:t>2024/12/16</a:t>
+              <a:t>2024/12/17</a:t>
             </a:fld>
             <a:endParaRPr kumimoji="1" lang="ja-JP" altLang="en-US"/>
           </a:p>
@@ -3203,7 +3203,7 @@
           <a:p>
             <a:fld id="{9D2A0C2B-70AD-47E1-B89E-10E5CBCCD31E}" type="datetimeFigureOut">
               <a:rPr kumimoji="1" lang="ja-JP" altLang="en-US" smtClean="0"/>
-              <a:t>2024/12/16</a:t>
+              <a:t>2024/12/17</a:t>
             </a:fld>
             <a:endParaRPr kumimoji="1" lang="ja-JP" altLang="en-US"/>
           </a:p>
@@ -4729,7 +4729,7 @@
                   <a:schemeClr val="bg1"/>
                 </a:solidFill>
               </a:rPr>
-              <a:t>近づいて灯してみよう。</a:t>
+              <a:t>灯してみよう。</a:t>
             </a:r>
           </a:p>
         </p:txBody>
@@ -5658,7 +5658,7 @@
         </p:nvSpPr>
         <p:spPr>
           <a:xfrm>
-            <a:off x="3319669" y="3165031"/>
+            <a:off x="139408" y="5805415"/>
             <a:ext cx="1113183" cy="1083365"/>
           </a:xfrm>
           <a:prstGeom prst="roundRect">
@@ -5713,7 +5713,7 @@
         </p:nvSpPr>
         <p:spPr>
           <a:xfrm>
-            <a:off x="5807377" y="3153406"/>
+            <a:off x="2627116" y="5793790"/>
             <a:ext cx="1113183" cy="1083365"/>
           </a:xfrm>
           <a:prstGeom prst="roundRect">
@@ -5767,7 +5767,7 @@
         </p:nvSpPr>
         <p:spPr>
           <a:xfrm>
-            <a:off x="7255187" y="3165031"/>
+            <a:off x="4074926" y="5805415"/>
             <a:ext cx="1113183" cy="1083365"/>
           </a:xfrm>
           <a:prstGeom prst="roundRect">
@@ -5822,7 +5822,7 @@
         </p:nvSpPr>
         <p:spPr>
           <a:xfrm>
-            <a:off x="4526880" y="3165031"/>
+            <a:off x="1346619" y="5805415"/>
             <a:ext cx="1113183" cy="1083365"/>
           </a:xfrm>
           <a:prstGeom prst="roundRect">
@@ -5858,6 +5858,86 @@
             <a:r>
               <a:rPr kumimoji="1" lang="ja-JP" altLang="en-US" sz="4400" b="1" dirty="0"/>
               <a:t>↑</a:t>
+            </a:r>
+          </a:p>
+        </p:txBody>
+      </p:sp>
+      <p:sp>
+        <p:nvSpPr>
+          <p:cNvPr id="5" name="テキスト ボックス 4">
+            <a:extLst>
+              <a:ext uri="{FF2B5EF4-FFF2-40B4-BE49-F238E27FC236}">
+                <a16:creationId xmlns:a16="http://schemas.microsoft.com/office/drawing/2014/main" id="{C7B4278E-2EE2-B3A2-E628-F12616F1559A}"/>
+              </a:ext>
+            </a:extLst>
+          </p:cNvPr>
+          <p:cNvSpPr txBox="1"/>
+          <p:nvPr/>
+        </p:nvSpPr>
+        <p:spPr>
+          <a:xfrm>
+            <a:off x="695999" y="2802994"/>
+            <a:ext cx="10800000" cy="540000"/>
+          </a:xfrm>
+          <a:prstGeom prst="rect">
+            <a:avLst/>
+          </a:prstGeom>
+          <a:noFill/>
+        </p:spPr>
+        <p:txBody>
+          <a:bodyPr wrap="square" rtlCol="0">
+            <a:spAutoFit/>
+          </a:bodyPr>
+          <a:lstStyle/>
+          <a:p>
+            <a:pPr algn="ctr"/>
+            <a:r>
+              <a:rPr kumimoji="1" lang="ja-JP" altLang="en-US" sz="2800" b="1" dirty="0">
+                <a:solidFill>
+                  <a:schemeClr val="bg1"/>
+                </a:solidFill>
+              </a:rPr>
+              <a:t>この光は自由に消すことができる</a:t>
+            </a:r>
+          </a:p>
+        </p:txBody>
+      </p:sp>
+      <p:sp>
+        <p:nvSpPr>
+          <p:cNvPr id="8" name="テキスト ボックス 7">
+            <a:extLst>
+              <a:ext uri="{FF2B5EF4-FFF2-40B4-BE49-F238E27FC236}">
+                <a16:creationId xmlns:a16="http://schemas.microsoft.com/office/drawing/2014/main" id="{A56ABB32-2650-9A68-52B7-F9847C8C59B2}"/>
+              </a:ext>
+            </a:extLst>
+          </p:cNvPr>
+          <p:cNvSpPr txBox="1"/>
+          <p:nvPr/>
+        </p:nvSpPr>
+        <p:spPr>
+          <a:xfrm>
+            <a:off x="642743" y="3491622"/>
+            <a:ext cx="10800000" cy="540000"/>
+          </a:xfrm>
+          <a:prstGeom prst="rect">
+            <a:avLst/>
+          </a:prstGeom>
+          <a:noFill/>
+        </p:spPr>
+        <p:txBody>
+          <a:bodyPr wrap="square" rtlCol="0">
+            <a:spAutoFit/>
+          </a:bodyPr>
+          <a:lstStyle/>
+          <a:p>
+            <a:pPr algn="ctr"/>
+            <a:r>
+              <a:rPr kumimoji="1" lang="ja-JP" altLang="en-US" sz="2800" b="1" dirty="0">
+                <a:solidFill>
+                  <a:schemeClr val="bg1"/>
+                </a:solidFill>
+              </a:rPr>
+              <a:t>今は光を付けたまま探索しよう</a:t>
             </a:r>
           </a:p>
         </p:txBody>

--- a/素材.pptx
+++ b/素材.pptx
@@ -265,7 +265,7 @@
           <a:p>
             <a:fld id="{9D2A0C2B-70AD-47E1-B89E-10E5CBCCD31E}" type="datetimeFigureOut">
               <a:rPr kumimoji="1" lang="ja-JP" altLang="en-US" smtClean="0"/>
-              <a:t>2024/12/17</a:t>
+              <a:t>2025/1/3</a:t>
             </a:fld>
             <a:endParaRPr kumimoji="1" lang="ja-JP" altLang="en-US"/>
           </a:p>
@@ -495,7 +495,7 @@
           <a:p>
             <a:fld id="{9D2A0C2B-70AD-47E1-B89E-10E5CBCCD31E}" type="datetimeFigureOut">
               <a:rPr kumimoji="1" lang="ja-JP" altLang="en-US" smtClean="0"/>
-              <a:t>2024/12/17</a:t>
+              <a:t>2025/1/3</a:t>
             </a:fld>
             <a:endParaRPr kumimoji="1" lang="ja-JP" altLang="en-US"/>
           </a:p>
@@ -735,7 +735,7 @@
           <a:p>
             <a:fld id="{9D2A0C2B-70AD-47E1-B89E-10E5CBCCD31E}" type="datetimeFigureOut">
               <a:rPr kumimoji="1" lang="ja-JP" altLang="en-US" smtClean="0"/>
-              <a:t>2024/12/17</a:t>
+              <a:t>2025/1/3</a:t>
             </a:fld>
             <a:endParaRPr kumimoji="1" lang="ja-JP" altLang="en-US"/>
           </a:p>
@@ -965,7 +965,7 @@
           <a:p>
             <a:fld id="{9D2A0C2B-70AD-47E1-B89E-10E5CBCCD31E}" type="datetimeFigureOut">
               <a:rPr kumimoji="1" lang="ja-JP" altLang="en-US" smtClean="0"/>
-              <a:t>2024/12/17</a:t>
+              <a:t>2025/1/3</a:t>
             </a:fld>
             <a:endParaRPr kumimoji="1" lang="ja-JP" altLang="en-US"/>
           </a:p>
@@ -1240,7 +1240,7 @@
           <a:p>
             <a:fld id="{9D2A0C2B-70AD-47E1-B89E-10E5CBCCD31E}" type="datetimeFigureOut">
               <a:rPr kumimoji="1" lang="ja-JP" altLang="en-US" smtClean="0"/>
-              <a:t>2024/12/17</a:t>
+              <a:t>2025/1/3</a:t>
             </a:fld>
             <a:endParaRPr kumimoji="1" lang="ja-JP" altLang="en-US"/>
           </a:p>
@@ -1569,7 +1569,7 @@
           <a:p>
             <a:fld id="{9D2A0C2B-70AD-47E1-B89E-10E5CBCCD31E}" type="datetimeFigureOut">
               <a:rPr kumimoji="1" lang="ja-JP" altLang="en-US" smtClean="0"/>
-              <a:t>2024/12/17</a:t>
+              <a:t>2025/1/3</a:t>
             </a:fld>
             <a:endParaRPr kumimoji="1" lang="ja-JP" altLang="en-US"/>
           </a:p>
@@ -2045,7 +2045,7 @@
           <a:p>
             <a:fld id="{9D2A0C2B-70AD-47E1-B89E-10E5CBCCD31E}" type="datetimeFigureOut">
               <a:rPr kumimoji="1" lang="ja-JP" altLang="en-US" smtClean="0"/>
-              <a:t>2024/12/17</a:t>
+              <a:t>2025/1/3</a:t>
             </a:fld>
             <a:endParaRPr kumimoji="1" lang="ja-JP" altLang="en-US"/>
           </a:p>
@@ -2186,7 +2186,7 @@
           <a:p>
             <a:fld id="{9D2A0C2B-70AD-47E1-B89E-10E5CBCCD31E}" type="datetimeFigureOut">
               <a:rPr kumimoji="1" lang="ja-JP" altLang="en-US" smtClean="0"/>
-              <a:t>2024/12/17</a:t>
+              <a:t>2025/1/3</a:t>
             </a:fld>
             <a:endParaRPr kumimoji="1" lang="ja-JP" altLang="en-US"/>
           </a:p>
@@ -2299,7 +2299,7 @@
           <a:p>
             <a:fld id="{9D2A0C2B-70AD-47E1-B89E-10E5CBCCD31E}" type="datetimeFigureOut">
               <a:rPr kumimoji="1" lang="ja-JP" altLang="en-US" smtClean="0"/>
-              <a:t>2024/12/17</a:t>
+              <a:t>2025/1/3</a:t>
             </a:fld>
             <a:endParaRPr kumimoji="1" lang="ja-JP" altLang="en-US"/>
           </a:p>
@@ -2642,7 +2642,7 @@
           <a:p>
             <a:fld id="{9D2A0C2B-70AD-47E1-B89E-10E5CBCCD31E}" type="datetimeFigureOut">
               <a:rPr kumimoji="1" lang="ja-JP" altLang="en-US" smtClean="0"/>
-              <a:t>2024/12/17</a:t>
+              <a:t>2025/1/3</a:t>
             </a:fld>
             <a:endParaRPr kumimoji="1" lang="ja-JP" altLang="en-US"/>
           </a:p>
@@ -2930,7 +2930,7 @@
           <a:p>
             <a:fld id="{9D2A0C2B-70AD-47E1-B89E-10E5CBCCD31E}" type="datetimeFigureOut">
               <a:rPr kumimoji="1" lang="ja-JP" altLang="en-US" smtClean="0"/>
-              <a:t>2024/12/17</a:t>
+              <a:t>2025/1/3</a:t>
             </a:fld>
             <a:endParaRPr kumimoji="1" lang="ja-JP" altLang="en-US"/>
           </a:p>
@@ -3203,7 +3203,7 @@
           <a:p>
             <a:fld id="{9D2A0C2B-70AD-47E1-B89E-10E5CBCCD31E}" type="datetimeFigureOut">
               <a:rPr kumimoji="1" lang="ja-JP" altLang="en-US" smtClean="0"/>
-              <a:t>2024/12/17</a:t>
+              <a:t>2025/1/3</a:t>
             </a:fld>
             <a:endParaRPr kumimoji="1" lang="ja-JP" altLang="en-US"/>
           </a:p>
@@ -5939,6 +5939,96 @@
               </a:rPr>
               <a:t>今は光を付けたまま探索しよう</a:t>
             </a:r>
+          </a:p>
+        </p:txBody>
+      </p:sp>
+      <p:sp>
+        <p:nvSpPr>
+          <p:cNvPr id="11" name="テキスト ボックス 10">
+            <a:extLst>
+              <a:ext uri="{FF2B5EF4-FFF2-40B4-BE49-F238E27FC236}">
+                <a16:creationId xmlns:a16="http://schemas.microsoft.com/office/drawing/2014/main" id="{DA0D3E42-A3D4-C339-CC1C-76922554BE5A}"/>
+              </a:ext>
+            </a:extLst>
+          </p:cNvPr>
+          <p:cNvSpPr txBox="1"/>
+          <p:nvPr/>
+        </p:nvSpPr>
+        <p:spPr>
+          <a:xfrm>
+            <a:off x="566543" y="4180250"/>
+            <a:ext cx="10800000" cy="540000"/>
+          </a:xfrm>
+          <a:prstGeom prst="rect">
+            <a:avLst/>
+          </a:prstGeom>
+          <a:noFill/>
+        </p:spPr>
+        <p:txBody>
+          <a:bodyPr wrap="square" rtlCol="0">
+            <a:spAutoFit/>
+          </a:bodyPr>
+          <a:lstStyle/>
+          <a:p>
+            <a:pPr algn="ctr"/>
+            <a:r>
+              <a:rPr lang="ja-JP" altLang="en-US" sz="2800" b="1" dirty="0">
+                <a:solidFill>
+                  <a:schemeClr val="bg1"/>
+                </a:solidFill>
+              </a:rPr>
+              <a:t>試しに光を消してみよう</a:t>
+            </a:r>
+            <a:endParaRPr kumimoji="1" lang="ja-JP" altLang="en-US" sz="2800" b="1" dirty="0">
+              <a:solidFill>
+                <a:schemeClr val="bg1"/>
+              </a:solidFill>
+            </a:endParaRPr>
+          </a:p>
+        </p:txBody>
+      </p:sp>
+      <p:sp>
+        <p:nvSpPr>
+          <p:cNvPr id="12" name="テキスト ボックス 11">
+            <a:extLst>
+              <a:ext uri="{FF2B5EF4-FFF2-40B4-BE49-F238E27FC236}">
+                <a16:creationId xmlns:a16="http://schemas.microsoft.com/office/drawing/2014/main" id="{3F6EE863-38E4-9EF7-5602-30C648B4B030}"/>
+              </a:ext>
+            </a:extLst>
+          </p:cNvPr>
+          <p:cNvSpPr txBox="1"/>
+          <p:nvPr/>
+        </p:nvSpPr>
+        <p:spPr>
+          <a:xfrm>
+            <a:off x="566543" y="4674909"/>
+            <a:ext cx="10800000" cy="540000"/>
+          </a:xfrm>
+          <a:prstGeom prst="rect">
+            <a:avLst/>
+          </a:prstGeom>
+          <a:noFill/>
+        </p:spPr>
+        <p:txBody>
+          <a:bodyPr wrap="square" rtlCol="0">
+            <a:spAutoFit/>
+          </a:bodyPr>
+          <a:lstStyle/>
+          <a:p>
+            <a:pPr algn="ctr"/>
+            <a:r>
+              <a:rPr kumimoji="1" lang="ja-JP" altLang="en-US" sz="2800" b="1">
+                <a:solidFill>
+                  <a:schemeClr val="bg1"/>
+                </a:solidFill>
+              </a:rPr>
+              <a:t>光を消すと見え方が変わるかも</a:t>
+            </a:r>
+            <a:endParaRPr kumimoji="1" lang="ja-JP" altLang="en-US" sz="2800" b="1" dirty="0">
+              <a:solidFill>
+                <a:schemeClr val="bg1"/>
+              </a:solidFill>
+            </a:endParaRPr>
           </a:p>
         </p:txBody>
       </p:sp>
